--- a/v2.0.0/08-Project Management/WGM Reports/5th_WGM/Timeline.pptx
+++ b/v2.0.0/08-Project Management/WGM Reports/5th_WGM/Timeline.pptx
@@ -5,9 +5,7 @@
     <p:sldMasterId id="2147483648" r:id="rId1"/>
   </p:sldMasterIdLst>
   <p:sldIdLst>
-    <p:sldId id="256" r:id="rId2"/>
-    <p:sldId id="258" r:id="rId3"/>
-    <p:sldId id="257" r:id="rId4"/>
+    <p:sldId id="258" r:id="rId2"/>
   </p:sldIdLst>
   <p:sldSz cx="12192000" cy="6858000"/>
   <p:notesSz cx="6858000" cy="9144000"/>
@@ -257,7 +255,7 @@
           <a:p>
             <a:fld id="{DD47B1ED-05C6-43AD-85E9-3FF99C9F49B3}" type="datetimeFigureOut">
               <a:rPr lang="en-GB" smtClean="0"/>
-              <a:t>27/03/2018</a:t>
+              <a:t>28/03/2018</a:t>
             </a:fld>
             <a:endParaRPr lang="en-GB"/>
           </a:p>
@@ -299,7 +297,7 @@
           <a:p>
             <a:fld id="{6413A868-572D-4B8C-BBFB-A139BCF98173}" type="slidenum">
               <a:rPr lang="en-GB" smtClean="0"/>
-              <a:t>‹#›</a:t>
+              <a:t>‹Nº›</a:t>
             </a:fld>
             <a:endParaRPr lang="en-GB"/>
           </a:p>
@@ -427,7 +425,7 @@
           <a:p>
             <a:fld id="{DD47B1ED-05C6-43AD-85E9-3FF99C9F49B3}" type="datetimeFigureOut">
               <a:rPr lang="en-GB" smtClean="0"/>
-              <a:t>27/03/2018</a:t>
+              <a:t>28/03/2018</a:t>
             </a:fld>
             <a:endParaRPr lang="en-GB"/>
           </a:p>
@@ -469,7 +467,7 @@
           <a:p>
             <a:fld id="{6413A868-572D-4B8C-BBFB-A139BCF98173}" type="slidenum">
               <a:rPr lang="en-GB" smtClean="0"/>
-              <a:t>‹#›</a:t>
+              <a:t>‹Nº›</a:t>
             </a:fld>
             <a:endParaRPr lang="en-GB"/>
           </a:p>
@@ -607,7 +605,7 @@
           <a:p>
             <a:fld id="{DD47B1ED-05C6-43AD-85E9-3FF99C9F49B3}" type="datetimeFigureOut">
               <a:rPr lang="en-GB" smtClean="0"/>
-              <a:t>27/03/2018</a:t>
+              <a:t>28/03/2018</a:t>
             </a:fld>
             <a:endParaRPr lang="en-GB"/>
           </a:p>
@@ -649,7 +647,7 @@
           <a:p>
             <a:fld id="{6413A868-572D-4B8C-BBFB-A139BCF98173}" type="slidenum">
               <a:rPr lang="en-GB" smtClean="0"/>
-              <a:t>‹#›</a:t>
+              <a:t>‹Nº›</a:t>
             </a:fld>
             <a:endParaRPr lang="en-GB"/>
           </a:p>
@@ -777,7 +775,7 @@
           <a:p>
             <a:fld id="{DD47B1ED-05C6-43AD-85E9-3FF99C9F49B3}" type="datetimeFigureOut">
               <a:rPr lang="en-GB" smtClean="0"/>
-              <a:t>27/03/2018</a:t>
+              <a:t>28/03/2018</a:t>
             </a:fld>
             <a:endParaRPr lang="en-GB"/>
           </a:p>
@@ -819,7 +817,7 @@
           <a:p>
             <a:fld id="{6413A868-572D-4B8C-BBFB-A139BCF98173}" type="slidenum">
               <a:rPr lang="en-GB" smtClean="0"/>
-              <a:t>‹#›</a:t>
+              <a:t>‹Nº›</a:t>
             </a:fld>
             <a:endParaRPr lang="en-GB"/>
           </a:p>
@@ -1023,7 +1021,7 @@
           <a:p>
             <a:fld id="{DD47B1ED-05C6-43AD-85E9-3FF99C9F49B3}" type="datetimeFigureOut">
               <a:rPr lang="en-GB" smtClean="0"/>
-              <a:t>27/03/2018</a:t>
+              <a:t>28/03/2018</a:t>
             </a:fld>
             <a:endParaRPr lang="en-GB"/>
           </a:p>
@@ -1065,7 +1063,7 @@
           <a:p>
             <a:fld id="{6413A868-572D-4B8C-BBFB-A139BCF98173}" type="slidenum">
               <a:rPr lang="en-GB" smtClean="0"/>
-              <a:t>‹#›</a:t>
+              <a:t>‹Nº›</a:t>
             </a:fld>
             <a:endParaRPr lang="en-GB"/>
           </a:p>
@@ -1255,7 +1253,7 @@
           <a:p>
             <a:fld id="{DD47B1ED-05C6-43AD-85E9-3FF99C9F49B3}" type="datetimeFigureOut">
               <a:rPr lang="en-GB" smtClean="0"/>
-              <a:t>27/03/2018</a:t>
+              <a:t>28/03/2018</a:t>
             </a:fld>
             <a:endParaRPr lang="en-GB"/>
           </a:p>
@@ -1297,7 +1295,7 @@
           <a:p>
             <a:fld id="{6413A868-572D-4B8C-BBFB-A139BCF98173}" type="slidenum">
               <a:rPr lang="en-GB" smtClean="0"/>
-              <a:t>‹#›</a:t>
+              <a:t>‹Nº›</a:t>
             </a:fld>
             <a:endParaRPr lang="en-GB"/>
           </a:p>
@@ -1622,7 +1620,7 @@
           <a:p>
             <a:fld id="{DD47B1ED-05C6-43AD-85E9-3FF99C9F49B3}" type="datetimeFigureOut">
               <a:rPr lang="en-GB" smtClean="0"/>
-              <a:t>27/03/2018</a:t>
+              <a:t>28/03/2018</a:t>
             </a:fld>
             <a:endParaRPr lang="en-GB"/>
           </a:p>
@@ -1664,7 +1662,7 @@
           <a:p>
             <a:fld id="{6413A868-572D-4B8C-BBFB-A139BCF98173}" type="slidenum">
               <a:rPr lang="en-GB" smtClean="0"/>
-              <a:t>‹#›</a:t>
+              <a:t>‹Nº›</a:t>
             </a:fld>
             <a:endParaRPr lang="en-GB"/>
           </a:p>
@@ -1740,7 +1738,7 @@
           <a:p>
             <a:fld id="{DD47B1ED-05C6-43AD-85E9-3FF99C9F49B3}" type="datetimeFigureOut">
               <a:rPr lang="en-GB" smtClean="0"/>
-              <a:t>27/03/2018</a:t>
+              <a:t>28/03/2018</a:t>
             </a:fld>
             <a:endParaRPr lang="en-GB"/>
           </a:p>
@@ -1782,7 +1780,7 @@
           <a:p>
             <a:fld id="{6413A868-572D-4B8C-BBFB-A139BCF98173}" type="slidenum">
               <a:rPr lang="en-GB" smtClean="0"/>
-              <a:t>‹#›</a:t>
+              <a:t>‹Nº›</a:t>
             </a:fld>
             <a:endParaRPr lang="en-GB"/>
           </a:p>
@@ -1835,7 +1833,7 @@
           <a:p>
             <a:fld id="{DD47B1ED-05C6-43AD-85E9-3FF99C9F49B3}" type="datetimeFigureOut">
               <a:rPr lang="en-GB" smtClean="0"/>
-              <a:t>27/03/2018</a:t>
+              <a:t>28/03/2018</a:t>
             </a:fld>
             <a:endParaRPr lang="en-GB"/>
           </a:p>
@@ -1877,7 +1875,7 @@
           <a:p>
             <a:fld id="{6413A868-572D-4B8C-BBFB-A139BCF98173}" type="slidenum">
               <a:rPr lang="en-GB" smtClean="0"/>
-              <a:t>‹#›</a:t>
+              <a:t>‹Nº›</a:t>
             </a:fld>
             <a:endParaRPr lang="en-GB"/>
           </a:p>
@@ -2112,7 +2110,7 @@
           <a:p>
             <a:fld id="{DD47B1ED-05C6-43AD-85E9-3FF99C9F49B3}" type="datetimeFigureOut">
               <a:rPr lang="en-GB" smtClean="0"/>
-              <a:t>27/03/2018</a:t>
+              <a:t>28/03/2018</a:t>
             </a:fld>
             <a:endParaRPr lang="en-GB"/>
           </a:p>
@@ -2154,7 +2152,7 @@
           <a:p>
             <a:fld id="{6413A868-572D-4B8C-BBFB-A139BCF98173}" type="slidenum">
               <a:rPr lang="en-GB" smtClean="0"/>
-              <a:t>‹#›</a:t>
+              <a:t>‹Nº›</a:t>
             </a:fld>
             <a:endParaRPr lang="en-GB"/>
           </a:p>
@@ -2365,7 +2363,7 @@
           <a:p>
             <a:fld id="{DD47B1ED-05C6-43AD-85E9-3FF99C9F49B3}" type="datetimeFigureOut">
               <a:rPr lang="en-GB" smtClean="0"/>
-              <a:t>27/03/2018</a:t>
+              <a:t>28/03/2018</a:t>
             </a:fld>
             <a:endParaRPr lang="en-GB"/>
           </a:p>
@@ -2407,7 +2405,7 @@
           <a:p>
             <a:fld id="{6413A868-572D-4B8C-BBFB-A139BCF98173}" type="slidenum">
               <a:rPr lang="en-GB" smtClean="0"/>
-              <a:t>‹#›</a:t>
+              <a:t>‹Nº›</a:t>
             </a:fld>
             <a:endParaRPr lang="en-GB"/>
           </a:p>
@@ -2578,7 +2576,7 @@
           <a:p>
             <a:fld id="{DD47B1ED-05C6-43AD-85E9-3FF99C9F49B3}" type="datetimeFigureOut">
               <a:rPr lang="en-GB" smtClean="0"/>
-              <a:t>27/03/2018</a:t>
+              <a:t>28/03/2018</a:t>
             </a:fld>
             <a:endParaRPr lang="en-GB"/>
           </a:p>
@@ -2656,7 +2654,7 @@
           <a:p>
             <a:fld id="{6413A868-572D-4B8C-BBFB-A139BCF98173}" type="slidenum">
               <a:rPr lang="en-GB" smtClean="0"/>
-              <a:t>‹#›</a:t>
+              <a:t>‹Nº›</a:t>
             </a:fld>
             <a:endParaRPr lang="en-GB"/>
           </a:p>
@@ -2995,14 +2993,404 @@
       </p:grpSpPr>
       <p:sp>
         <p:nvSpPr>
-          <p:cNvPr id="4" name="Rectángulo redondeado 3"/>
+          <p:cNvPr id="22" name="CuadroTexto 21"/>
+          <p:cNvSpPr txBox="1"/>
+          <p:nvPr/>
+        </p:nvSpPr>
+        <p:spPr>
+          <a:xfrm>
+            <a:off x="3282608" y="628882"/>
+            <a:ext cx="2153154" cy="276999"/>
+          </a:xfrm>
+          <a:prstGeom prst="rect">
+            <a:avLst/>
+          </a:prstGeom>
+          <a:noFill/>
+        </p:spPr>
+        <p:txBody>
+          <a:bodyPr wrap="none" rtlCol="0">
+            <a:spAutoFit/>
+          </a:bodyPr>
+          <a:lstStyle/>
+          <a:p>
+            <a:pPr algn="r"/>
+            <a:r>
+              <a:rPr lang="en-GB" sz="1200" b="1" dirty="0" smtClean="0"/>
+              <a:t>Kick-off Meeting (23</a:t>
+            </a:r>
+            <a:r>
+              <a:rPr lang="en-GB" sz="1200" b="1" baseline="30000" dirty="0" smtClean="0"/>
+              <a:t>rd</a:t>
+            </a:r>
+            <a:r>
+              <a:rPr lang="en-GB" sz="1200" b="1" dirty="0" smtClean="0"/>
+              <a:t> January)</a:t>
+            </a:r>
+            <a:endParaRPr lang="en-GB" sz="1200" b="1" dirty="0"/>
+          </a:p>
+        </p:txBody>
+      </p:sp>
+      <p:sp>
+        <p:nvSpPr>
+          <p:cNvPr id="23" name="CuadroTexto 22"/>
+          <p:cNvSpPr txBox="1"/>
+          <p:nvPr/>
+        </p:nvSpPr>
+        <p:spPr>
+          <a:xfrm>
+            <a:off x="3196751" y="5997339"/>
+            <a:ext cx="2239011" cy="276999"/>
+          </a:xfrm>
+          <a:prstGeom prst="rect">
+            <a:avLst/>
+          </a:prstGeom>
+          <a:noFill/>
+        </p:spPr>
+        <p:txBody>
+          <a:bodyPr wrap="none" rtlCol="0">
+            <a:spAutoFit/>
+          </a:bodyPr>
+          <a:lstStyle/>
+          <a:p>
+            <a:pPr algn="r"/>
+            <a:r>
+              <a:rPr lang="en-GB" sz="1200" b="1" dirty="0" smtClean="0">
+                <a:solidFill>
+                  <a:schemeClr val="tx1">
+                    <a:lumMod val="65000"/>
+                    <a:lumOff val="35000"/>
+                  </a:schemeClr>
+                </a:solidFill>
+              </a:rPr>
+              <a:t>Release version 2.0.0 (25</a:t>
+            </a:r>
+            <a:r>
+              <a:rPr lang="en-GB" sz="1200" b="1" baseline="30000" dirty="0" smtClean="0">
+                <a:solidFill>
+                  <a:schemeClr val="tx1">
+                    <a:lumMod val="65000"/>
+                    <a:lumOff val="35000"/>
+                  </a:schemeClr>
+                </a:solidFill>
+              </a:rPr>
+              <a:t>th</a:t>
+            </a:r>
+            <a:r>
+              <a:rPr lang="en-GB" sz="1200" b="1" dirty="0" smtClean="0">
+                <a:solidFill>
+                  <a:schemeClr val="tx1">
+                    <a:lumMod val="65000"/>
+                    <a:lumOff val="35000"/>
+                  </a:schemeClr>
+                </a:solidFill>
+              </a:rPr>
+              <a:t> June)</a:t>
+            </a:r>
+            <a:endParaRPr lang="en-GB" sz="1200" b="1" dirty="0">
+              <a:solidFill>
+                <a:schemeClr val="tx1">
+                  <a:lumMod val="65000"/>
+                  <a:lumOff val="35000"/>
+                </a:schemeClr>
+              </a:solidFill>
+            </a:endParaRPr>
+          </a:p>
+        </p:txBody>
+      </p:sp>
+      <p:sp>
+        <p:nvSpPr>
+          <p:cNvPr id="26" name="CuadroTexto 25"/>
+          <p:cNvSpPr txBox="1"/>
+          <p:nvPr/>
+        </p:nvSpPr>
+        <p:spPr>
+          <a:xfrm>
+            <a:off x="1037229" y="1698856"/>
+            <a:ext cx="4398531" cy="646331"/>
+          </a:xfrm>
+          <a:prstGeom prst="rect">
+            <a:avLst/>
+          </a:prstGeom>
+          <a:noFill/>
+        </p:spPr>
+        <p:txBody>
+          <a:bodyPr wrap="square" rtlCol="0">
+            <a:spAutoFit/>
+          </a:bodyPr>
+          <a:lstStyle/>
+          <a:p>
+            <a:pPr algn="r"/>
+            <a:r>
+              <a:rPr lang="en-GB" sz="1200" dirty="0" smtClean="0"/>
+              <a:t>Working Group Meeting (23</a:t>
+            </a:r>
+            <a:r>
+              <a:rPr lang="en-GB" sz="1200" baseline="30000" dirty="0" smtClean="0"/>
+              <a:t>rd</a:t>
+            </a:r>
+            <a:r>
+              <a:rPr lang="en-GB" sz="1200" dirty="0" smtClean="0"/>
+              <a:t> February)</a:t>
+            </a:r>
+          </a:p>
+          <a:p>
+            <a:pPr algn="r"/>
+            <a:r>
+              <a:rPr lang="en-GB" sz="1200" i="1" dirty="0" smtClean="0"/>
+              <a:t>Subject: Presentation of the new mission, considerations on the scope and methodology.</a:t>
+            </a:r>
+            <a:endParaRPr lang="en-GB" sz="1200" i="1" dirty="0"/>
+          </a:p>
+        </p:txBody>
+      </p:sp>
+      <p:sp>
+        <p:nvSpPr>
+          <p:cNvPr id="29" name="CuadroTexto 28"/>
+          <p:cNvSpPr txBox="1"/>
+          <p:nvPr/>
+        </p:nvSpPr>
+        <p:spPr>
+          <a:xfrm>
+            <a:off x="1037228" y="2778415"/>
+            <a:ext cx="4398533" cy="646331"/>
+          </a:xfrm>
+          <a:prstGeom prst="rect">
+            <a:avLst/>
+          </a:prstGeom>
+          <a:noFill/>
+        </p:spPr>
+        <p:txBody>
+          <a:bodyPr wrap="square" rtlCol="0">
+            <a:spAutoFit/>
+          </a:bodyPr>
+          <a:lstStyle/>
+          <a:p>
+            <a:pPr algn="r"/>
+            <a:r>
+              <a:rPr lang="en-GB" sz="1200" dirty="0" smtClean="0"/>
+              <a:t>Working Group Meeting (28</a:t>
+            </a:r>
+            <a:r>
+              <a:rPr lang="en-GB" sz="1200" baseline="30000" dirty="0" smtClean="0"/>
+              <a:t>th</a:t>
+            </a:r>
+            <a:r>
+              <a:rPr lang="en-GB" sz="1200" dirty="0" smtClean="0"/>
+              <a:t> March)</a:t>
+            </a:r>
+          </a:p>
+          <a:p>
+            <a:pPr algn="r"/>
+            <a:r>
+              <a:rPr lang="en-GB" sz="1200" i="1" dirty="0" smtClean="0"/>
+              <a:t>Subject: </a:t>
+            </a:r>
+            <a:r>
+              <a:rPr lang="en-GB" sz="1200" i="1" dirty="0" err="1" smtClean="0"/>
+              <a:t>PoC</a:t>
+            </a:r>
+            <a:r>
+              <a:rPr lang="en-GB" sz="1200" i="1" dirty="0" smtClean="0"/>
+              <a:t> validation of the approach, the use case and the expected results.</a:t>
+            </a:r>
+            <a:endParaRPr lang="en-GB" sz="1200" i="1" dirty="0"/>
+          </a:p>
+        </p:txBody>
+      </p:sp>
+      <p:sp>
+        <p:nvSpPr>
+          <p:cNvPr id="31" name="CuadroTexto 30"/>
+          <p:cNvSpPr txBox="1"/>
+          <p:nvPr/>
+        </p:nvSpPr>
+        <p:spPr>
+          <a:xfrm>
+            <a:off x="1037228" y="3857974"/>
+            <a:ext cx="4398534" cy="646331"/>
+          </a:xfrm>
+          <a:prstGeom prst="rect">
+            <a:avLst/>
+          </a:prstGeom>
+          <a:noFill/>
+        </p:spPr>
+        <p:txBody>
+          <a:bodyPr wrap="square" rtlCol="0">
+            <a:spAutoFit/>
+          </a:bodyPr>
+          <a:lstStyle/>
+          <a:p>
+            <a:pPr algn="r"/>
+            <a:r>
+              <a:rPr lang="en-GB" sz="1200" dirty="0" smtClean="0">
+                <a:solidFill>
+                  <a:schemeClr val="tx1">
+                    <a:lumMod val="65000"/>
+                    <a:lumOff val="35000"/>
+                  </a:schemeClr>
+                </a:solidFill>
+              </a:rPr>
+              <a:t>Working Group Meeting (27</a:t>
+            </a:r>
+            <a:r>
+              <a:rPr lang="en-GB" sz="1200" baseline="30000" dirty="0" smtClean="0">
+                <a:solidFill>
+                  <a:schemeClr val="tx1">
+                    <a:lumMod val="65000"/>
+                    <a:lumOff val="35000"/>
+                  </a:schemeClr>
+                </a:solidFill>
+              </a:rPr>
+              <a:t>th</a:t>
+            </a:r>
+            <a:r>
+              <a:rPr lang="en-GB" sz="1200" dirty="0" smtClean="0">
+                <a:solidFill>
+                  <a:schemeClr val="tx1">
+                    <a:lumMod val="65000"/>
+                    <a:lumOff val="35000"/>
+                  </a:schemeClr>
+                </a:solidFill>
+              </a:rPr>
+              <a:t> April)</a:t>
+            </a:r>
+          </a:p>
+          <a:p>
+            <a:pPr algn="r"/>
+            <a:r>
+              <a:rPr lang="en-GB" sz="1200" i="1" dirty="0" smtClean="0">
+                <a:solidFill>
+                  <a:schemeClr val="tx1">
+                    <a:lumMod val="65000"/>
+                    <a:lumOff val="35000"/>
+                  </a:schemeClr>
+                </a:solidFill>
+              </a:rPr>
+              <a:t>Subject: Revision of the ontology, conceptual model and design considerations.</a:t>
+            </a:r>
+            <a:endParaRPr lang="en-GB" sz="1200" i="1" dirty="0">
+              <a:solidFill>
+                <a:schemeClr val="tx1">
+                  <a:lumMod val="65000"/>
+                  <a:lumOff val="35000"/>
+                </a:schemeClr>
+              </a:solidFill>
+            </a:endParaRPr>
+          </a:p>
+        </p:txBody>
+      </p:sp>
+      <p:sp>
+        <p:nvSpPr>
+          <p:cNvPr id="33" name="CuadroTexto 32"/>
+          <p:cNvSpPr txBox="1"/>
+          <p:nvPr/>
+        </p:nvSpPr>
+        <p:spPr>
+          <a:xfrm>
+            <a:off x="1037228" y="4934794"/>
+            <a:ext cx="4398534" cy="646331"/>
+          </a:xfrm>
+          <a:prstGeom prst="rect">
+            <a:avLst/>
+          </a:prstGeom>
+          <a:noFill/>
+        </p:spPr>
+        <p:txBody>
+          <a:bodyPr wrap="square" rtlCol="0">
+            <a:spAutoFit/>
+          </a:bodyPr>
+          <a:lstStyle/>
+          <a:p>
+            <a:pPr algn="r"/>
+            <a:r>
+              <a:rPr lang="en-GB" sz="1200" dirty="0" smtClean="0">
+                <a:solidFill>
+                  <a:schemeClr val="tx1">
+                    <a:lumMod val="65000"/>
+                    <a:lumOff val="35000"/>
+                  </a:schemeClr>
+                </a:solidFill>
+              </a:rPr>
+              <a:t>Working Group Meeting (1</a:t>
+            </a:r>
+            <a:r>
+              <a:rPr lang="en-GB" sz="1200" baseline="30000" dirty="0" smtClean="0">
+                <a:solidFill>
+                  <a:schemeClr val="tx1">
+                    <a:lumMod val="65000"/>
+                    <a:lumOff val="35000"/>
+                  </a:schemeClr>
+                </a:solidFill>
+              </a:rPr>
+              <a:t>st</a:t>
+            </a:r>
+            <a:r>
+              <a:rPr lang="en-GB" sz="1200" dirty="0" smtClean="0">
+                <a:solidFill>
+                  <a:schemeClr val="tx1">
+                    <a:lumMod val="65000"/>
+                    <a:lumOff val="35000"/>
+                  </a:schemeClr>
+                </a:solidFill>
+              </a:rPr>
+              <a:t> June)</a:t>
+            </a:r>
+          </a:p>
+          <a:p>
+            <a:pPr algn="r"/>
+            <a:r>
+              <a:rPr lang="en-GB" sz="1200" i="1" dirty="0" smtClean="0">
+                <a:solidFill>
+                  <a:schemeClr val="tx1">
+                    <a:lumMod val="65000"/>
+                    <a:lumOff val="35000"/>
+                  </a:schemeClr>
+                </a:solidFill>
+              </a:rPr>
+              <a:t>Subject: Revision of the ontology, OWL implementation and results of the </a:t>
+            </a:r>
+            <a:r>
+              <a:rPr lang="en-GB" sz="1200" i="1" dirty="0" err="1" smtClean="0">
+                <a:solidFill>
+                  <a:schemeClr val="tx1">
+                    <a:lumMod val="65000"/>
+                    <a:lumOff val="35000"/>
+                  </a:schemeClr>
+                </a:solidFill>
+              </a:rPr>
+              <a:t>PoC</a:t>
+            </a:r>
+            <a:r>
+              <a:rPr lang="en-GB" sz="1200" i="1" dirty="0" smtClean="0">
+                <a:solidFill>
+                  <a:schemeClr val="tx1">
+                    <a:lumMod val="65000"/>
+                    <a:lumOff val="35000"/>
+                  </a:schemeClr>
+                </a:solidFill>
+              </a:rPr>
+              <a:t>.</a:t>
+            </a:r>
+            <a:endParaRPr lang="en-GB" sz="1200" i="1" dirty="0">
+              <a:solidFill>
+                <a:schemeClr val="tx1">
+                  <a:lumMod val="65000"/>
+                  <a:lumOff val="35000"/>
+                </a:schemeClr>
+              </a:solidFill>
+            </a:endParaRPr>
+          </a:p>
+        </p:txBody>
+      </p:sp>
+      <p:sp>
+        <p:nvSpPr>
+          <p:cNvPr id="20" name="Rectángulo redondeado 19"/>
           <p:cNvSpPr/>
           <p:nvPr/>
         </p:nvSpPr>
         <p:spPr>
-          <a:xfrm>
-            <a:off x="897924" y="2207740"/>
-            <a:ext cx="5400000" cy="115330"/>
+          <a:xfrm rot="5400000">
+            <a:off x="2837948" y="3401715"/>
+            <a:ext cx="5400000" cy="118800"/>
           </a:xfrm>
           <a:prstGeom prst="roundRect">
             <a:avLst/>
@@ -3041,13 +3429,13 @@
       </p:sp>
       <p:sp>
         <p:nvSpPr>
-          <p:cNvPr id="5" name="Elipse 4"/>
+          <p:cNvPr id="21" name="Elipse 20"/>
           <p:cNvSpPr/>
           <p:nvPr/>
         </p:nvSpPr>
         <p:spPr>
-          <a:xfrm>
-            <a:off x="864972" y="2207740"/>
+          <a:xfrm rot="5400000">
+            <a:off x="5480652" y="728163"/>
             <a:ext cx="115330" cy="115330"/>
           </a:xfrm>
           <a:prstGeom prst="ellipse">
@@ -3084,118 +3472,14 @@
       </p:sp>
       <p:sp>
         <p:nvSpPr>
-          <p:cNvPr id="6" name="CuadroTexto 5"/>
-          <p:cNvSpPr txBox="1"/>
-          <p:nvPr/>
-        </p:nvSpPr>
-        <p:spPr>
-          <a:xfrm rot="19017403">
-            <a:off x="564551" y="1386694"/>
-            <a:ext cx="1976823" cy="253916"/>
-          </a:xfrm>
-          <a:prstGeom prst="rect">
-            <a:avLst/>
-          </a:prstGeom>
-          <a:noFill/>
-        </p:spPr>
-        <p:txBody>
-          <a:bodyPr wrap="none" rtlCol="0">
-            <a:spAutoFit/>
-          </a:bodyPr>
-          <a:lstStyle/>
-          <a:p>
-            <a:r>
-              <a:rPr lang="en-GB" sz="1050" b="1" dirty="0" smtClean="0"/>
-              <a:t>Kick-off Meeting (23</a:t>
-            </a:r>
-            <a:r>
-              <a:rPr lang="en-GB" sz="1050" b="1" baseline="30000" dirty="0" smtClean="0"/>
-              <a:t>rd</a:t>
-            </a:r>
-            <a:r>
-              <a:rPr lang="en-GB" sz="1050" b="1" dirty="0" smtClean="0"/>
-              <a:t> January)</a:t>
-            </a:r>
-            <a:endParaRPr lang="en-GB" sz="1050" b="1" dirty="0"/>
-          </a:p>
-        </p:txBody>
-      </p:sp>
-      <p:sp>
-        <p:nvSpPr>
-          <p:cNvPr id="8" name="CuadroTexto 7"/>
-          <p:cNvSpPr txBox="1"/>
-          <p:nvPr/>
-        </p:nvSpPr>
-        <p:spPr>
-          <a:xfrm rot="19017403">
-            <a:off x="5936044" y="1384506"/>
-            <a:ext cx="1983235" cy="253916"/>
-          </a:xfrm>
-          <a:prstGeom prst="rect">
-            <a:avLst/>
-          </a:prstGeom>
-          <a:noFill/>
-        </p:spPr>
-        <p:txBody>
-          <a:bodyPr wrap="none" rtlCol="0">
-            <a:spAutoFit/>
-          </a:bodyPr>
-          <a:lstStyle/>
-          <a:p>
-            <a:r>
-              <a:rPr lang="en-GB" sz="1050" b="1" dirty="0" smtClean="0">
-                <a:solidFill>
-                  <a:schemeClr val="tx1">
-                    <a:lumMod val="65000"/>
-                    <a:lumOff val="35000"/>
-                  </a:schemeClr>
-                </a:solidFill>
-              </a:rPr>
-              <a:t>Release version 2.0.0 (25</a:t>
-            </a:r>
-            <a:r>
-              <a:rPr lang="en-GB" sz="1050" b="1" baseline="30000" dirty="0" smtClean="0">
-                <a:solidFill>
-                  <a:schemeClr val="tx1">
-                    <a:lumMod val="65000"/>
-                    <a:lumOff val="35000"/>
-                  </a:schemeClr>
-                </a:solidFill>
-              </a:rPr>
-              <a:t>th</a:t>
-            </a:r>
-            <a:r>
-              <a:rPr lang="en-GB" sz="1050" b="1" dirty="0" smtClean="0">
-                <a:solidFill>
-                  <a:schemeClr val="tx1">
-                    <a:lumMod val="65000"/>
-                    <a:lumOff val="35000"/>
-                  </a:schemeClr>
-                </a:solidFill>
-              </a:rPr>
-              <a:t> June)</a:t>
-            </a:r>
-            <a:endParaRPr lang="en-GB" sz="1050" b="1" dirty="0">
-              <a:solidFill>
-                <a:schemeClr val="tx1">
-                  <a:lumMod val="65000"/>
-                  <a:lumOff val="35000"/>
-                </a:schemeClr>
-              </a:solidFill>
-            </a:endParaRPr>
-          </a:p>
-        </p:txBody>
-      </p:sp>
-      <p:sp>
-        <p:nvSpPr>
-          <p:cNvPr id="19" name="Rectángulo redondeado 18"/>
+          <p:cNvPr id="24" name="Rectángulo redondeado 23"/>
           <p:cNvSpPr/>
           <p:nvPr/>
         </p:nvSpPr>
         <p:spPr>
-          <a:xfrm>
-            <a:off x="1991665" y="2206939"/>
-            <a:ext cx="4320000" cy="115330"/>
+          <a:xfrm rot="5400000">
+            <a:off x="3920190" y="4465620"/>
+            <a:ext cx="3240000" cy="122400"/>
           </a:xfrm>
           <a:prstGeom prst="roundRect">
             <a:avLst/>
@@ -3234,13 +3518,71 @@
       </p:sp>
       <p:sp>
         <p:nvSpPr>
-          <p:cNvPr id="11" name="Elipse 10"/>
+          <p:cNvPr id="45" name="Rectángulo redondeado 44"/>
           <p:cNvSpPr/>
           <p:nvPr/>
         </p:nvSpPr>
         <p:spPr>
-          <a:xfrm>
-            <a:off x="1934946" y="2207740"/>
+          <a:xfrm rot="5400000">
+            <a:off x="5126190" y="3280477"/>
+            <a:ext cx="828000" cy="122400"/>
+          </a:xfrm>
+          <a:prstGeom prst="roundRect">
+            <a:avLst/>
+          </a:prstGeom>
+          <a:gradFill flip="none" rotWithShape="1">
+            <a:gsLst>
+              <a:gs pos="61000">
+                <a:srgbClr val="E1EA99"/>
+              </a:gs>
+              <a:gs pos="0">
+                <a:srgbClr val="F8FECA"/>
+              </a:gs>
+              <a:gs pos="100000">
+                <a:srgbClr val="9AAE04"/>
+              </a:gs>
+            </a:gsLst>
+            <a:lin ang="10800000" scaled="1"/>
+            <a:tileRect/>
+          </a:gradFill>
+          <a:ln>
+            <a:noFill/>
+          </a:ln>
+        </p:spPr>
+        <p:style>
+          <a:lnRef idx="2">
+            <a:schemeClr val="accent1">
+              <a:shade val="50000"/>
+            </a:schemeClr>
+          </a:lnRef>
+          <a:fillRef idx="1">
+            <a:schemeClr val="accent1"/>
+          </a:fillRef>
+          <a:effectRef idx="0">
+            <a:schemeClr val="accent1"/>
+          </a:effectRef>
+          <a:fontRef idx="minor">
+            <a:schemeClr val="lt1"/>
+          </a:fontRef>
+        </p:style>
+        <p:txBody>
+          <a:bodyPr rtlCol="0" anchor="ctr"/>
+          <a:lstStyle/>
+          <a:p>
+            <a:pPr algn="ctr"/>
+            <a:endParaRPr lang="en-GB"/>
+          </a:p>
+        </p:txBody>
+      </p:sp>
+      <p:sp>
+        <p:nvSpPr>
+          <p:cNvPr id="25" name="Elipse 24"/>
+          <p:cNvSpPr/>
+          <p:nvPr/>
+        </p:nvSpPr>
+        <p:spPr>
+          <a:xfrm rot="5400000">
+            <a:off x="5480652" y="1798137"/>
             <a:ext cx="115330" cy="115330"/>
           </a:xfrm>
           <a:prstGeom prst="ellipse">
@@ -3277,51 +3619,13 @@
       </p:sp>
       <p:sp>
         <p:nvSpPr>
-          <p:cNvPr id="12" name="CuadroTexto 11"/>
-          <p:cNvSpPr txBox="1"/>
-          <p:nvPr/>
-        </p:nvSpPr>
-        <p:spPr>
-          <a:xfrm rot="19017403">
-            <a:off x="1574069" y="1232968"/>
-            <a:ext cx="2427268" cy="253916"/>
-          </a:xfrm>
-          <a:prstGeom prst="rect">
-            <a:avLst/>
-          </a:prstGeom>
-          <a:noFill/>
-        </p:spPr>
-        <p:txBody>
-          <a:bodyPr wrap="none" rtlCol="0">
-            <a:spAutoFit/>
-          </a:bodyPr>
-          <a:lstStyle/>
-          <a:p>
-            <a:r>
-              <a:rPr lang="en-GB" sz="1050" dirty="0" smtClean="0"/>
-              <a:t>Working Group Meeting (23</a:t>
-            </a:r>
-            <a:r>
-              <a:rPr lang="en-GB" sz="1050" baseline="30000" dirty="0" smtClean="0"/>
-              <a:t>rd</a:t>
-            </a:r>
-            <a:r>
-              <a:rPr lang="en-GB" sz="1050" dirty="0" smtClean="0"/>
-              <a:t> February)</a:t>
-            </a:r>
-            <a:endParaRPr lang="en-GB" sz="1050" dirty="0"/>
-          </a:p>
-        </p:txBody>
-      </p:sp>
-      <p:sp>
-        <p:nvSpPr>
-          <p:cNvPr id="7" name="Elipse 6"/>
+          <p:cNvPr id="27" name="Elipse 26"/>
           <p:cNvSpPr/>
           <p:nvPr/>
         </p:nvSpPr>
         <p:spPr>
-          <a:xfrm>
-            <a:off x="6231323" y="2206939"/>
+          <a:xfrm rot="5400000">
+            <a:off x="5480652" y="6094514"/>
             <a:ext cx="115330" cy="115330"/>
           </a:xfrm>
           <a:prstGeom prst="ellipse">
@@ -3364,13 +3668,13 @@
       </p:sp>
       <p:sp>
         <p:nvSpPr>
-          <p:cNvPr id="13" name="Elipse 12"/>
+          <p:cNvPr id="28" name="Elipse 27"/>
           <p:cNvSpPr/>
           <p:nvPr/>
         </p:nvSpPr>
         <p:spPr>
-          <a:xfrm>
-            <a:off x="3000571" y="2207741"/>
+          <a:xfrm rot="5400000">
+            <a:off x="5480652" y="2863762"/>
             <a:ext cx="115330" cy="115330"/>
           </a:xfrm>
           <a:prstGeom prst="ellipse">
@@ -3378,8 +3682,8 @@
           </a:prstGeom>
           <a:solidFill>
             <a:schemeClr val="tx1">
-              <a:lumMod val="65000"/>
-              <a:lumOff val="35000"/>
+              <a:lumMod val="95000"/>
+              <a:lumOff val="5000"/>
             </a:schemeClr>
           </a:solidFill>
           <a:ln>
@@ -3407,71 +3711,9 @@
           <a:lstStyle/>
           <a:p>
             <a:pPr algn="ctr"/>
-            <a:endParaRPr lang="en-GB"/>
-          </a:p>
-        </p:txBody>
-      </p:sp>
-      <p:sp>
-        <p:nvSpPr>
-          <p:cNvPr id="14" name="CuadroTexto 13"/>
-          <p:cNvSpPr txBox="1"/>
-          <p:nvPr/>
-        </p:nvSpPr>
-        <p:spPr>
-          <a:xfrm rot="19017403">
-            <a:off x="2676384" y="1302993"/>
-            <a:ext cx="2222083" cy="253916"/>
-          </a:xfrm>
-          <a:prstGeom prst="rect">
-            <a:avLst/>
-          </a:prstGeom>
-          <a:noFill/>
-        </p:spPr>
-        <p:txBody>
-          <a:bodyPr wrap="none" rtlCol="0">
-            <a:spAutoFit/>
-          </a:bodyPr>
-          <a:lstStyle/>
-          <a:p>
-            <a:r>
-              <a:rPr lang="en-GB" sz="1050" dirty="0" smtClean="0">
-                <a:solidFill>
-                  <a:schemeClr val="tx1">
-                    <a:lumMod val="65000"/>
-                    <a:lumOff val="35000"/>
-                  </a:schemeClr>
-                </a:solidFill>
-              </a:rPr>
-              <a:t>Working Group Meeting (28</a:t>
-            </a:r>
-            <a:r>
-              <a:rPr lang="en-GB" sz="1050" baseline="30000" dirty="0" smtClean="0">
-                <a:solidFill>
-                  <a:schemeClr val="tx1">
-                    <a:lumMod val="65000"/>
-                    <a:lumOff val="35000"/>
-                  </a:schemeClr>
-                </a:solidFill>
-              </a:rPr>
-              <a:t>th</a:t>
-            </a:r>
-            <a:r>
-              <a:rPr lang="en-GB" sz="1050" dirty="0" smtClean="0">
-                <a:solidFill>
-                  <a:schemeClr val="tx1">
-                    <a:lumMod val="65000"/>
-                    <a:lumOff val="35000"/>
-                  </a:schemeClr>
-                </a:solidFill>
-              </a:rPr>
-              <a:t> March)</a:t>
-            </a:r>
-            <a:endParaRPr lang="en-GB" sz="1050" dirty="0">
+            <a:endParaRPr lang="en-GB">
               <a:solidFill>
-                <a:schemeClr val="tx1">
-                  <a:lumMod val="65000"/>
-                  <a:lumOff val="35000"/>
-                </a:schemeClr>
+                <a:sysClr val="windowText" lastClr="000000"/>
               </a:solidFill>
             </a:endParaRPr>
           </a:p>
@@ -3479,13 +3721,13 @@
       </p:sp>
       <p:sp>
         <p:nvSpPr>
-          <p:cNvPr id="15" name="Elipse 14"/>
+          <p:cNvPr id="30" name="Elipse 29"/>
           <p:cNvSpPr/>
           <p:nvPr/>
         </p:nvSpPr>
         <p:spPr>
-          <a:xfrm>
-            <a:off x="4064768" y="2207741"/>
+          <a:xfrm rot="5400000">
+            <a:off x="5480652" y="3927959"/>
             <a:ext cx="115330" cy="115330"/>
           </a:xfrm>
           <a:prstGeom prst="ellipse">
@@ -3528,1551 +3770,13 @@
       </p:sp>
       <p:sp>
         <p:nvSpPr>
-          <p:cNvPr id="16" name="CuadroTexto 15"/>
-          <p:cNvSpPr txBox="1"/>
-          <p:nvPr/>
-        </p:nvSpPr>
-        <p:spPr>
-          <a:xfrm rot="19017403">
-            <a:off x="3740045" y="1336364"/>
-            <a:ext cx="2124299" cy="253916"/>
-          </a:xfrm>
-          <a:prstGeom prst="rect">
-            <a:avLst/>
-          </a:prstGeom>
-          <a:noFill/>
-        </p:spPr>
-        <p:txBody>
-          <a:bodyPr wrap="none" rtlCol="0">
-            <a:spAutoFit/>
-          </a:bodyPr>
-          <a:lstStyle/>
-          <a:p>
-            <a:r>
-              <a:rPr lang="en-GB" sz="1050" dirty="0" smtClean="0">
-                <a:solidFill>
-                  <a:schemeClr val="tx1">
-                    <a:lumMod val="65000"/>
-                    <a:lumOff val="35000"/>
-                  </a:schemeClr>
-                </a:solidFill>
-              </a:rPr>
-              <a:t>Working Group Meeting (27</a:t>
-            </a:r>
-            <a:r>
-              <a:rPr lang="en-GB" sz="1050" baseline="30000" dirty="0" smtClean="0">
-                <a:solidFill>
-                  <a:schemeClr val="tx1">
-                    <a:lumMod val="65000"/>
-                    <a:lumOff val="35000"/>
-                  </a:schemeClr>
-                </a:solidFill>
-              </a:rPr>
-              <a:t>th</a:t>
-            </a:r>
-            <a:r>
-              <a:rPr lang="en-GB" sz="1050" dirty="0" smtClean="0">
-                <a:solidFill>
-                  <a:schemeClr val="tx1">
-                    <a:lumMod val="65000"/>
-                    <a:lumOff val="35000"/>
-                  </a:schemeClr>
-                </a:solidFill>
-              </a:rPr>
-              <a:t> April)</a:t>
-            </a:r>
-            <a:endParaRPr lang="en-GB" sz="1050" dirty="0">
-              <a:solidFill>
-                <a:schemeClr val="tx1">
-                  <a:lumMod val="65000"/>
-                  <a:lumOff val="35000"/>
-                </a:schemeClr>
-              </a:solidFill>
-            </a:endParaRPr>
-          </a:p>
-        </p:txBody>
-      </p:sp>
-      <p:sp>
-        <p:nvSpPr>
-          <p:cNvPr id="17" name="Elipse 16"/>
-          <p:cNvSpPr/>
-          <p:nvPr/>
-        </p:nvSpPr>
-        <p:spPr>
-          <a:xfrm>
-            <a:off x="5173458" y="2206939"/>
-            <a:ext cx="115330" cy="115330"/>
-          </a:xfrm>
-          <a:prstGeom prst="ellipse">
-            <a:avLst/>
-          </a:prstGeom>
-          <a:solidFill>
-            <a:schemeClr val="tx1">
-              <a:lumMod val="65000"/>
-              <a:lumOff val="35000"/>
-            </a:schemeClr>
-          </a:solidFill>
-          <a:ln>
-            <a:noFill/>
-          </a:ln>
-        </p:spPr>
-        <p:style>
-          <a:lnRef idx="2">
-            <a:schemeClr val="dk1">
-              <a:shade val="50000"/>
-            </a:schemeClr>
-          </a:lnRef>
-          <a:fillRef idx="1">
-            <a:schemeClr val="dk1"/>
-          </a:fillRef>
-          <a:effectRef idx="0">
-            <a:schemeClr val="dk1"/>
-          </a:effectRef>
-          <a:fontRef idx="minor">
-            <a:schemeClr val="lt1"/>
-          </a:fontRef>
-        </p:style>
-        <p:txBody>
-          <a:bodyPr rtlCol="0" anchor="ctr"/>
-          <a:lstStyle/>
-          <a:p>
-            <a:pPr algn="ctr"/>
-            <a:endParaRPr lang="en-GB"/>
-          </a:p>
-        </p:txBody>
-      </p:sp>
-      <p:sp>
-        <p:nvSpPr>
-          <p:cNvPr id="18" name="CuadroTexto 17"/>
-          <p:cNvSpPr txBox="1"/>
-          <p:nvPr/>
-        </p:nvSpPr>
-        <p:spPr>
-          <a:xfrm rot="19017403">
-            <a:off x="4866500" y="1365358"/>
-            <a:ext cx="2039341" cy="253916"/>
-          </a:xfrm>
-          <a:prstGeom prst="rect">
-            <a:avLst/>
-          </a:prstGeom>
-          <a:noFill/>
-        </p:spPr>
-        <p:txBody>
-          <a:bodyPr wrap="none" rtlCol="0">
-            <a:spAutoFit/>
-          </a:bodyPr>
-          <a:lstStyle/>
-          <a:p>
-            <a:r>
-              <a:rPr lang="en-GB" sz="1050" dirty="0" smtClean="0">
-                <a:solidFill>
-                  <a:schemeClr val="tx1">
-                    <a:lumMod val="65000"/>
-                    <a:lumOff val="35000"/>
-                  </a:schemeClr>
-                </a:solidFill>
-              </a:rPr>
-              <a:t>Working Group Meeting (1</a:t>
-            </a:r>
-            <a:r>
-              <a:rPr lang="en-GB" sz="1050" baseline="30000" dirty="0" smtClean="0">
-                <a:solidFill>
-                  <a:schemeClr val="tx1">
-                    <a:lumMod val="65000"/>
-                    <a:lumOff val="35000"/>
-                  </a:schemeClr>
-                </a:solidFill>
-              </a:rPr>
-              <a:t>st</a:t>
-            </a:r>
-            <a:r>
-              <a:rPr lang="en-GB" sz="1050" dirty="0" smtClean="0">
-                <a:solidFill>
-                  <a:schemeClr val="tx1">
-                    <a:lumMod val="65000"/>
-                    <a:lumOff val="35000"/>
-                  </a:schemeClr>
-                </a:solidFill>
-              </a:rPr>
-              <a:t> June)</a:t>
-            </a:r>
-            <a:endParaRPr lang="en-GB" sz="1050" dirty="0">
-              <a:solidFill>
-                <a:schemeClr val="tx1">
-                  <a:lumMod val="65000"/>
-                  <a:lumOff val="35000"/>
-                </a:schemeClr>
-              </a:solidFill>
-            </a:endParaRPr>
-          </a:p>
-        </p:txBody>
-      </p:sp>
-      <p:pic>
-        <p:nvPicPr>
-          <p:cNvPr id="1026" name="Picture 2" descr="Image result for google maps location symbol png"/>
-          <p:cNvPicPr>
-            <a:picLocks noChangeAspect="1" noChangeArrowheads="1"/>
-          </p:cNvPicPr>
-          <p:nvPr/>
-        </p:nvPicPr>
-        <p:blipFill>
-          <a:blip r:embed="rId2" cstate="print">
-            <a:extLst>
-              <a:ext uri="{28A0092B-C50C-407E-A947-70E740481C1C}">
-                <a14:useLocalDpi xmlns:a14="http://schemas.microsoft.com/office/drawing/2010/main" val="0"/>
-              </a:ext>
-            </a:extLst>
-          </a:blip>
-          <a:srcRect/>
-          <a:stretch>
-            <a:fillRect/>
-          </a:stretch>
-        </p:blipFill>
-        <p:spPr bwMode="auto">
-          <a:xfrm rot="10800000">
-            <a:off x="1846274" y="2322269"/>
-            <a:ext cx="273358" cy="273358"/>
-          </a:xfrm>
-          <a:prstGeom prst="rect">
-            <a:avLst/>
-          </a:prstGeom>
-          <a:noFill/>
-          <a:extLst>
-            <a:ext uri="{909E8E84-426E-40DD-AFC4-6F175D3DCCD1}">
-              <a14:hiddenFill xmlns:a14="http://schemas.microsoft.com/office/drawing/2010/main">
-                <a:solidFill>
-                  <a:srgbClr val="FFFFFF"/>
-                </a:solidFill>
-              </a14:hiddenFill>
-            </a:ext>
-          </a:extLst>
-        </p:spPr>
-      </p:pic>
-      <p:sp>
-        <p:nvSpPr>
-          <p:cNvPr id="20" name="Rectángulo redondeado 19"/>
-          <p:cNvSpPr/>
-          <p:nvPr/>
-        </p:nvSpPr>
-        <p:spPr>
-          <a:xfrm>
-            <a:off x="956535" y="3640301"/>
-            <a:ext cx="5400000" cy="115330"/>
-          </a:xfrm>
-          <a:prstGeom prst="roundRect">
-            <a:avLst/>
-          </a:prstGeom>
-          <a:solidFill>
-            <a:srgbClr val="9AAE04"/>
-          </a:solidFill>
-          <a:ln>
-            <a:noFill/>
-          </a:ln>
-        </p:spPr>
-        <p:style>
-          <a:lnRef idx="2">
-            <a:schemeClr val="accent1">
-              <a:shade val="50000"/>
-            </a:schemeClr>
-          </a:lnRef>
-          <a:fillRef idx="1">
-            <a:schemeClr val="accent1"/>
-          </a:fillRef>
-          <a:effectRef idx="0">
-            <a:schemeClr val="accent1"/>
-          </a:effectRef>
-          <a:fontRef idx="minor">
-            <a:schemeClr val="lt1"/>
-          </a:fontRef>
-        </p:style>
-        <p:txBody>
-          <a:bodyPr rtlCol="0" anchor="ctr"/>
-          <a:lstStyle/>
-          <a:p>
-            <a:pPr algn="ctr"/>
-            <a:endParaRPr lang="en-GB"/>
-          </a:p>
-        </p:txBody>
-      </p:sp>
-      <p:sp>
-        <p:nvSpPr>
-          <p:cNvPr id="21" name="Elipse 20"/>
-          <p:cNvSpPr/>
-          <p:nvPr/>
-        </p:nvSpPr>
-        <p:spPr>
-          <a:xfrm>
-            <a:off x="923583" y="3640301"/>
-            <a:ext cx="115330" cy="115330"/>
-          </a:xfrm>
-          <a:prstGeom prst="ellipse">
-            <a:avLst/>
-          </a:prstGeom>
-          <a:ln>
-            <a:noFill/>
-          </a:ln>
-        </p:spPr>
-        <p:style>
-          <a:lnRef idx="2">
-            <a:schemeClr val="dk1">
-              <a:shade val="50000"/>
-            </a:schemeClr>
-          </a:lnRef>
-          <a:fillRef idx="1">
-            <a:schemeClr val="dk1"/>
-          </a:fillRef>
-          <a:effectRef idx="0">
-            <a:schemeClr val="dk1"/>
-          </a:effectRef>
-          <a:fontRef idx="minor">
-            <a:schemeClr val="lt1"/>
-          </a:fontRef>
-        </p:style>
-        <p:txBody>
-          <a:bodyPr rtlCol="0" anchor="ctr"/>
-          <a:lstStyle/>
-          <a:p>
-            <a:pPr algn="ctr"/>
-            <a:endParaRPr lang="en-GB"/>
-          </a:p>
-        </p:txBody>
-      </p:sp>
-      <p:sp>
-        <p:nvSpPr>
-          <p:cNvPr id="22" name="CuadroTexto 21"/>
-          <p:cNvSpPr txBox="1"/>
-          <p:nvPr/>
-        </p:nvSpPr>
-        <p:spPr>
-          <a:xfrm rot="2817403">
-            <a:off x="567466" y="4410379"/>
-            <a:ext cx="1976823" cy="253916"/>
-          </a:xfrm>
-          <a:prstGeom prst="rect">
-            <a:avLst/>
-          </a:prstGeom>
-          <a:noFill/>
-        </p:spPr>
-        <p:txBody>
-          <a:bodyPr wrap="none" rtlCol="0">
-            <a:spAutoFit/>
-          </a:bodyPr>
-          <a:lstStyle/>
-          <a:p>
-            <a:r>
-              <a:rPr lang="en-GB" sz="1050" b="1" dirty="0" smtClean="0"/>
-              <a:t>Kick-off Meeting (23</a:t>
-            </a:r>
-            <a:r>
-              <a:rPr lang="en-GB" sz="1050" b="1" baseline="30000" dirty="0" smtClean="0"/>
-              <a:t>rd</a:t>
-            </a:r>
-            <a:r>
-              <a:rPr lang="en-GB" sz="1050" b="1" dirty="0" smtClean="0"/>
-              <a:t> January)</a:t>
-            </a:r>
-            <a:endParaRPr lang="en-GB" sz="1050" b="1" dirty="0"/>
-          </a:p>
-        </p:txBody>
-      </p:sp>
-      <p:sp>
-        <p:nvSpPr>
-          <p:cNvPr id="23" name="CuadroTexto 22"/>
-          <p:cNvSpPr txBox="1"/>
-          <p:nvPr/>
-        </p:nvSpPr>
-        <p:spPr>
-          <a:xfrm rot="2817403">
-            <a:off x="5938959" y="4412722"/>
-            <a:ext cx="1983235" cy="253916"/>
-          </a:xfrm>
-          <a:prstGeom prst="rect">
-            <a:avLst/>
-          </a:prstGeom>
-          <a:noFill/>
-        </p:spPr>
-        <p:txBody>
-          <a:bodyPr wrap="none" rtlCol="0">
-            <a:spAutoFit/>
-          </a:bodyPr>
-          <a:lstStyle/>
-          <a:p>
-            <a:r>
-              <a:rPr lang="en-GB" sz="1050" b="1" dirty="0" smtClean="0">
-                <a:solidFill>
-                  <a:schemeClr val="tx1">
-                    <a:lumMod val="65000"/>
-                    <a:lumOff val="35000"/>
-                  </a:schemeClr>
-                </a:solidFill>
-              </a:rPr>
-              <a:t>Release version 2.0.0 (25</a:t>
-            </a:r>
-            <a:r>
-              <a:rPr lang="en-GB" sz="1050" b="1" baseline="30000" dirty="0" smtClean="0">
-                <a:solidFill>
-                  <a:schemeClr val="tx1">
-                    <a:lumMod val="65000"/>
-                    <a:lumOff val="35000"/>
-                  </a:schemeClr>
-                </a:solidFill>
-              </a:rPr>
-              <a:t>th</a:t>
-            </a:r>
-            <a:r>
-              <a:rPr lang="en-GB" sz="1050" b="1" dirty="0" smtClean="0">
-                <a:solidFill>
-                  <a:schemeClr val="tx1">
-                    <a:lumMod val="65000"/>
-                    <a:lumOff val="35000"/>
-                  </a:schemeClr>
-                </a:solidFill>
-              </a:rPr>
-              <a:t> June)</a:t>
-            </a:r>
-            <a:endParaRPr lang="en-GB" sz="1050" b="1" dirty="0">
-              <a:solidFill>
-                <a:schemeClr val="tx1">
-                  <a:lumMod val="65000"/>
-                  <a:lumOff val="35000"/>
-                </a:schemeClr>
-              </a:solidFill>
-            </a:endParaRPr>
-          </a:p>
-        </p:txBody>
-      </p:sp>
-      <p:sp>
-        <p:nvSpPr>
-          <p:cNvPr id="24" name="Rectángulo redondeado 23"/>
-          <p:cNvSpPr/>
-          <p:nvPr/>
-        </p:nvSpPr>
-        <p:spPr>
-          <a:xfrm>
-            <a:off x="3119223" y="3639500"/>
-            <a:ext cx="3204000" cy="115330"/>
-          </a:xfrm>
-          <a:prstGeom prst="roundRect">
-            <a:avLst/>
-          </a:prstGeom>
-          <a:solidFill>
-            <a:srgbClr val="F8FECA"/>
-          </a:solidFill>
-          <a:ln>
-            <a:noFill/>
-          </a:ln>
-        </p:spPr>
-        <p:style>
-          <a:lnRef idx="2">
-            <a:schemeClr val="accent1">
-              <a:shade val="50000"/>
-            </a:schemeClr>
-          </a:lnRef>
-          <a:fillRef idx="1">
-            <a:schemeClr val="accent1"/>
-          </a:fillRef>
-          <a:effectRef idx="0">
-            <a:schemeClr val="accent1"/>
-          </a:effectRef>
-          <a:fontRef idx="minor">
-            <a:schemeClr val="lt1"/>
-          </a:fontRef>
-        </p:style>
-        <p:txBody>
-          <a:bodyPr rtlCol="0" anchor="ctr"/>
-          <a:lstStyle/>
-          <a:p>
-            <a:pPr algn="ctr"/>
-            <a:endParaRPr lang="en-GB"/>
-          </a:p>
-        </p:txBody>
-      </p:sp>
-      <p:sp>
-        <p:nvSpPr>
-          <p:cNvPr id="25" name="Elipse 24"/>
-          <p:cNvSpPr/>
-          <p:nvPr/>
-        </p:nvSpPr>
-        <p:spPr>
-          <a:xfrm>
-            <a:off x="1993557" y="3640301"/>
-            <a:ext cx="115330" cy="115330"/>
-          </a:xfrm>
-          <a:prstGeom prst="ellipse">
-            <a:avLst/>
-          </a:prstGeom>
-          <a:ln>
-            <a:noFill/>
-          </a:ln>
-        </p:spPr>
-        <p:style>
-          <a:lnRef idx="2">
-            <a:schemeClr val="dk1">
-              <a:shade val="50000"/>
-            </a:schemeClr>
-          </a:lnRef>
-          <a:fillRef idx="1">
-            <a:schemeClr val="dk1"/>
-          </a:fillRef>
-          <a:effectRef idx="0">
-            <a:schemeClr val="dk1"/>
-          </a:effectRef>
-          <a:fontRef idx="minor">
-            <a:schemeClr val="lt1"/>
-          </a:fontRef>
-        </p:style>
-        <p:txBody>
-          <a:bodyPr rtlCol="0" anchor="ctr"/>
-          <a:lstStyle/>
-          <a:p>
-            <a:pPr algn="ctr"/>
-            <a:endParaRPr lang="en-GB"/>
-          </a:p>
-        </p:txBody>
-      </p:sp>
-      <p:sp>
-        <p:nvSpPr>
-          <p:cNvPr id="26" name="CuadroTexto 25"/>
-          <p:cNvSpPr txBox="1"/>
-          <p:nvPr/>
-        </p:nvSpPr>
-        <p:spPr>
-          <a:xfrm rot="2817403">
-            <a:off x="1576984" y="4574980"/>
-            <a:ext cx="2427268" cy="253916"/>
-          </a:xfrm>
-          <a:prstGeom prst="rect">
-            <a:avLst/>
-          </a:prstGeom>
-          <a:noFill/>
-        </p:spPr>
-        <p:txBody>
-          <a:bodyPr wrap="none" rtlCol="0">
-            <a:spAutoFit/>
-          </a:bodyPr>
-          <a:lstStyle/>
-          <a:p>
-            <a:r>
-              <a:rPr lang="en-GB" sz="1050" dirty="0" smtClean="0"/>
-              <a:t>Working Group Meeting (23</a:t>
-            </a:r>
-            <a:r>
-              <a:rPr lang="en-GB" sz="1050" baseline="30000" dirty="0" smtClean="0"/>
-              <a:t>rd</a:t>
-            </a:r>
-            <a:r>
-              <a:rPr lang="en-GB" sz="1050" dirty="0" smtClean="0"/>
-              <a:t> February)</a:t>
-            </a:r>
-            <a:endParaRPr lang="en-GB" sz="1050" dirty="0"/>
-          </a:p>
-        </p:txBody>
-      </p:sp>
-      <p:sp>
-        <p:nvSpPr>
-          <p:cNvPr id="27" name="Elipse 26"/>
-          <p:cNvSpPr/>
-          <p:nvPr/>
-        </p:nvSpPr>
-        <p:spPr>
-          <a:xfrm>
-            <a:off x="6289934" y="3639500"/>
-            <a:ext cx="115330" cy="115330"/>
-          </a:xfrm>
-          <a:prstGeom prst="ellipse">
-            <a:avLst/>
-          </a:prstGeom>
-          <a:solidFill>
-            <a:schemeClr val="tx1">
-              <a:lumMod val="65000"/>
-              <a:lumOff val="35000"/>
-            </a:schemeClr>
-          </a:solidFill>
-          <a:ln>
-            <a:noFill/>
-          </a:ln>
-        </p:spPr>
-        <p:style>
-          <a:lnRef idx="2">
-            <a:schemeClr val="dk1">
-              <a:shade val="50000"/>
-            </a:schemeClr>
-          </a:lnRef>
-          <a:fillRef idx="1">
-            <a:schemeClr val="dk1"/>
-          </a:fillRef>
-          <a:effectRef idx="0">
-            <a:schemeClr val="dk1"/>
-          </a:effectRef>
-          <a:fontRef idx="minor">
-            <a:schemeClr val="lt1"/>
-          </a:fontRef>
-        </p:style>
-        <p:txBody>
-          <a:bodyPr rtlCol="0" anchor="ctr"/>
-          <a:lstStyle/>
-          <a:p>
-            <a:pPr algn="ctr"/>
-            <a:endParaRPr lang="en-GB"/>
-          </a:p>
-        </p:txBody>
-      </p:sp>
-      <p:sp>
-        <p:nvSpPr>
-          <p:cNvPr id="28" name="Elipse 27"/>
-          <p:cNvSpPr/>
-          <p:nvPr/>
-        </p:nvSpPr>
-        <p:spPr>
-          <a:xfrm>
-            <a:off x="3059182" y="3640302"/>
-            <a:ext cx="115330" cy="115330"/>
-          </a:xfrm>
-          <a:prstGeom prst="ellipse">
-            <a:avLst/>
-          </a:prstGeom>
-          <a:solidFill>
-            <a:schemeClr val="tx1"/>
-          </a:solidFill>
-          <a:ln>
-            <a:noFill/>
-          </a:ln>
-        </p:spPr>
-        <p:style>
-          <a:lnRef idx="2">
-            <a:schemeClr val="dk1">
-              <a:shade val="50000"/>
-            </a:schemeClr>
-          </a:lnRef>
-          <a:fillRef idx="1">
-            <a:schemeClr val="dk1"/>
-          </a:fillRef>
-          <a:effectRef idx="0">
-            <a:schemeClr val="dk1"/>
-          </a:effectRef>
-          <a:fontRef idx="minor">
-            <a:schemeClr val="lt1"/>
-          </a:fontRef>
-        </p:style>
-        <p:txBody>
-          <a:bodyPr rtlCol="0" anchor="ctr"/>
-          <a:lstStyle/>
-          <a:p>
-            <a:pPr algn="ctr"/>
-            <a:endParaRPr lang="en-GB"/>
-          </a:p>
-        </p:txBody>
-      </p:sp>
-      <p:sp>
-        <p:nvSpPr>
-          <p:cNvPr id="29" name="CuadroTexto 28"/>
-          <p:cNvSpPr txBox="1"/>
-          <p:nvPr/>
-        </p:nvSpPr>
-        <p:spPr>
-          <a:xfrm rot="2817403">
-            <a:off x="2679299" y="4500001"/>
-            <a:ext cx="2222083" cy="253916"/>
-          </a:xfrm>
-          <a:prstGeom prst="rect">
-            <a:avLst/>
-          </a:prstGeom>
-          <a:noFill/>
-        </p:spPr>
-        <p:txBody>
-          <a:bodyPr wrap="none" rtlCol="0">
-            <a:spAutoFit/>
-          </a:bodyPr>
-          <a:lstStyle/>
-          <a:p>
-            <a:r>
-              <a:rPr lang="en-GB" sz="1050" dirty="0" smtClean="0"/>
-              <a:t>Working Group Meeting (28</a:t>
-            </a:r>
-            <a:r>
-              <a:rPr lang="en-GB" sz="1050" baseline="30000" dirty="0" smtClean="0"/>
-              <a:t>th</a:t>
-            </a:r>
-            <a:r>
-              <a:rPr lang="en-GB" sz="1050" dirty="0" smtClean="0"/>
-              <a:t> March)</a:t>
-            </a:r>
-            <a:endParaRPr lang="en-GB" sz="1050" dirty="0"/>
-          </a:p>
-        </p:txBody>
-      </p:sp>
-      <p:sp>
-        <p:nvSpPr>
-          <p:cNvPr id="30" name="Elipse 29"/>
-          <p:cNvSpPr/>
-          <p:nvPr/>
-        </p:nvSpPr>
-        <p:spPr>
-          <a:xfrm>
-            <a:off x="4123379" y="3640302"/>
-            <a:ext cx="115330" cy="115330"/>
-          </a:xfrm>
-          <a:prstGeom prst="ellipse">
-            <a:avLst/>
-          </a:prstGeom>
-          <a:solidFill>
-            <a:schemeClr val="tx1">
-              <a:lumMod val="65000"/>
-              <a:lumOff val="35000"/>
-            </a:schemeClr>
-          </a:solidFill>
-          <a:ln>
-            <a:noFill/>
-          </a:ln>
-        </p:spPr>
-        <p:style>
-          <a:lnRef idx="2">
-            <a:schemeClr val="dk1">
-              <a:shade val="50000"/>
-            </a:schemeClr>
-          </a:lnRef>
-          <a:fillRef idx="1">
-            <a:schemeClr val="dk1"/>
-          </a:fillRef>
-          <a:effectRef idx="0">
-            <a:schemeClr val="dk1"/>
-          </a:effectRef>
-          <a:fontRef idx="minor">
-            <a:schemeClr val="lt1"/>
-          </a:fontRef>
-        </p:style>
-        <p:txBody>
-          <a:bodyPr rtlCol="0" anchor="ctr"/>
-          <a:lstStyle/>
-          <a:p>
-            <a:pPr algn="ctr"/>
-            <a:endParaRPr lang="en-GB"/>
-          </a:p>
-        </p:txBody>
-      </p:sp>
-      <p:sp>
-        <p:nvSpPr>
-          <p:cNvPr id="31" name="CuadroTexto 30"/>
-          <p:cNvSpPr txBox="1"/>
-          <p:nvPr/>
-        </p:nvSpPr>
-        <p:spPr>
-          <a:xfrm rot="2817403">
-            <a:off x="3742960" y="4464269"/>
-            <a:ext cx="2124299" cy="253916"/>
-          </a:xfrm>
-          <a:prstGeom prst="rect">
-            <a:avLst/>
-          </a:prstGeom>
-          <a:noFill/>
-        </p:spPr>
-        <p:txBody>
-          <a:bodyPr wrap="none" rtlCol="0">
-            <a:spAutoFit/>
-          </a:bodyPr>
-          <a:lstStyle/>
-          <a:p>
-            <a:r>
-              <a:rPr lang="en-GB" sz="1050" dirty="0" smtClean="0">
-                <a:solidFill>
-                  <a:schemeClr val="tx1">
-                    <a:lumMod val="65000"/>
-                    <a:lumOff val="35000"/>
-                  </a:schemeClr>
-                </a:solidFill>
-              </a:rPr>
-              <a:t>Working Group Meeting (27</a:t>
-            </a:r>
-            <a:r>
-              <a:rPr lang="en-GB" sz="1050" baseline="30000" dirty="0" smtClean="0">
-                <a:solidFill>
-                  <a:schemeClr val="tx1">
-                    <a:lumMod val="65000"/>
-                    <a:lumOff val="35000"/>
-                  </a:schemeClr>
-                </a:solidFill>
-              </a:rPr>
-              <a:t>th</a:t>
-            </a:r>
-            <a:r>
-              <a:rPr lang="en-GB" sz="1050" dirty="0" smtClean="0">
-                <a:solidFill>
-                  <a:schemeClr val="tx1">
-                    <a:lumMod val="65000"/>
-                    <a:lumOff val="35000"/>
-                  </a:schemeClr>
-                </a:solidFill>
-              </a:rPr>
-              <a:t> April)</a:t>
-            </a:r>
-            <a:endParaRPr lang="en-GB" sz="1050" dirty="0">
-              <a:solidFill>
-                <a:schemeClr val="tx1">
-                  <a:lumMod val="65000"/>
-                  <a:lumOff val="35000"/>
-                </a:schemeClr>
-              </a:solidFill>
-            </a:endParaRPr>
-          </a:p>
-        </p:txBody>
-      </p:sp>
-      <p:sp>
-        <p:nvSpPr>
           <p:cNvPr id="32" name="Elipse 31"/>
           <p:cNvSpPr/>
           <p:nvPr/>
         </p:nvSpPr>
         <p:spPr>
-          <a:xfrm>
-            <a:off x="5232069" y="3639500"/>
-            <a:ext cx="115330" cy="115330"/>
-          </a:xfrm>
-          <a:prstGeom prst="ellipse">
-            <a:avLst/>
-          </a:prstGeom>
-          <a:solidFill>
-            <a:schemeClr val="tx1">
-              <a:lumMod val="65000"/>
-              <a:lumOff val="35000"/>
-            </a:schemeClr>
-          </a:solidFill>
-          <a:ln>
-            <a:noFill/>
-          </a:ln>
-        </p:spPr>
-        <p:style>
-          <a:lnRef idx="2">
-            <a:schemeClr val="dk1">
-              <a:shade val="50000"/>
-            </a:schemeClr>
-          </a:lnRef>
-          <a:fillRef idx="1">
-            <a:schemeClr val="dk1"/>
-          </a:fillRef>
-          <a:effectRef idx="0">
-            <a:schemeClr val="dk1"/>
-          </a:effectRef>
-          <a:fontRef idx="minor">
-            <a:schemeClr val="lt1"/>
-          </a:fontRef>
-        </p:style>
-        <p:txBody>
-          <a:bodyPr rtlCol="0" anchor="ctr"/>
-          <a:lstStyle/>
-          <a:p>
-            <a:pPr algn="ctr"/>
-            <a:endParaRPr lang="en-GB"/>
-          </a:p>
-        </p:txBody>
-      </p:sp>
-      <p:sp>
-        <p:nvSpPr>
-          <p:cNvPr id="33" name="CuadroTexto 32"/>
-          <p:cNvSpPr txBox="1"/>
-          <p:nvPr/>
-        </p:nvSpPr>
-        <p:spPr>
-          <a:xfrm rot="2817403">
-            <a:off x="4869415" y="4433224"/>
-            <a:ext cx="2039341" cy="253916"/>
-          </a:xfrm>
-          <a:prstGeom prst="rect">
-            <a:avLst/>
-          </a:prstGeom>
-          <a:noFill/>
-        </p:spPr>
-        <p:txBody>
-          <a:bodyPr wrap="none" rtlCol="0">
-            <a:spAutoFit/>
-          </a:bodyPr>
-          <a:lstStyle/>
-          <a:p>
-            <a:r>
-              <a:rPr lang="en-GB" sz="1050" dirty="0" smtClean="0">
-                <a:solidFill>
-                  <a:schemeClr val="tx1">
-                    <a:lumMod val="65000"/>
-                    <a:lumOff val="35000"/>
-                  </a:schemeClr>
-                </a:solidFill>
-              </a:rPr>
-              <a:t>Working Group Meeting (1</a:t>
-            </a:r>
-            <a:r>
-              <a:rPr lang="en-GB" sz="1050" baseline="30000" dirty="0" smtClean="0">
-                <a:solidFill>
-                  <a:schemeClr val="tx1">
-                    <a:lumMod val="65000"/>
-                    <a:lumOff val="35000"/>
-                  </a:schemeClr>
-                </a:solidFill>
-              </a:rPr>
-              <a:t>st</a:t>
-            </a:r>
-            <a:r>
-              <a:rPr lang="en-GB" sz="1050" dirty="0" smtClean="0">
-                <a:solidFill>
-                  <a:schemeClr val="tx1">
-                    <a:lumMod val="65000"/>
-                    <a:lumOff val="35000"/>
-                  </a:schemeClr>
-                </a:solidFill>
-              </a:rPr>
-              <a:t> June)</a:t>
-            </a:r>
-            <a:endParaRPr lang="en-GB" sz="1050" dirty="0">
-              <a:solidFill>
-                <a:schemeClr val="tx1">
-                  <a:lumMod val="65000"/>
-                  <a:lumOff val="35000"/>
-                </a:schemeClr>
-              </a:solidFill>
-            </a:endParaRPr>
-          </a:p>
-        </p:txBody>
-      </p:sp>
-      <p:pic>
-        <p:nvPicPr>
-          <p:cNvPr id="34" name="Picture 2" descr="Image result for google maps location symbol png"/>
-          <p:cNvPicPr>
-            <a:picLocks noChangeAspect="1" noChangeArrowheads="1"/>
-          </p:cNvPicPr>
-          <p:nvPr/>
-        </p:nvPicPr>
-        <p:blipFill>
-          <a:blip r:embed="rId2" cstate="print">
-            <a:extLst>
-              <a:ext uri="{28A0092B-C50C-407E-A947-70E740481C1C}">
-                <a14:useLocalDpi xmlns:a14="http://schemas.microsoft.com/office/drawing/2010/main" val="0"/>
-              </a:ext>
-            </a:extLst>
-          </a:blip>
-          <a:srcRect/>
-          <a:stretch>
-            <a:fillRect/>
-          </a:stretch>
-        </p:blipFill>
-        <p:spPr bwMode="auto">
-          <a:xfrm rot="10800000" flipV="1">
-            <a:off x="2968904" y="3381115"/>
-            <a:ext cx="273358" cy="273358"/>
-          </a:xfrm>
-          <a:prstGeom prst="rect">
-            <a:avLst/>
-          </a:prstGeom>
-          <a:noFill/>
-          <a:extLst>
-            <a:ext uri="{909E8E84-426E-40DD-AFC4-6F175D3DCCD1}">
-              <a14:hiddenFill xmlns:a14="http://schemas.microsoft.com/office/drawing/2010/main">
-                <a:solidFill>
-                  <a:srgbClr val="FFFFFF"/>
-                </a:solidFill>
-              </a14:hiddenFill>
-            </a:ext>
-          </a:extLst>
-        </p:spPr>
-      </p:pic>
-    </p:spTree>
-    <p:extLst>
-      <p:ext uri="{BB962C8B-B14F-4D97-AF65-F5344CB8AC3E}">
-        <p14:creationId xmlns:p14="http://schemas.microsoft.com/office/powerpoint/2010/main" val="3012395794"/>
-      </p:ext>
-    </p:extLst>
-  </p:cSld>
-  <p:clrMapOvr>
-    <a:masterClrMapping/>
-  </p:clrMapOvr>
-</p:sld>
-</file>
-
-<file path=ppt/slides/slide2.xml><?xml version="1.0" encoding="utf-8"?>
-<p:sld xmlns:a="http://schemas.openxmlformats.org/drawingml/2006/main" xmlns:r="http://schemas.openxmlformats.org/officeDocument/2006/relationships" xmlns:p="http://schemas.openxmlformats.org/presentationml/2006/main">
-  <p:cSld>
-    <p:spTree>
-      <p:nvGrpSpPr>
-        <p:cNvPr id="1" name=""/>
-        <p:cNvGrpSpPr/>
-        <p:nvPr/>
-      </p:nvGrpSpPr>
-      <p:grpSpPr>
-        <a:xfrm>
-          <a:off x="0" y="0"/>
-          <a:ext cx="0" cy="0"/>
-          <a:chOff x="0" y="0"/>
-          <a:chExt cx="0" cy="0"/>
-        </a:xfrm>
-      </p:grpSpPr>
-      <p:sp>
-        <p:nvSpPr>
-          <p:cNvPr id="22" name="CuadroTexto 21"/>
-          <p:cNvSpPr txBox="1"/>
-          <p:nvPr/>
-        </p:nvSpPr>
-        <p:spPr>
-          <a:xfrm>
-            <a:off x="3282608" y="628882"/>
-            <a:ext cx="2153154" cy="276999"/>
-          </a:xfrm>
-          <a:prstGeom prst="rect">
-            <a:avLst/>
-          </a:prstGeom>
-          <a:noFill/>
-        </p:spPr>
-        <p:txBody>
-          <a:bodyPr wrap="none" rtlCol="0">
-            <a:spAutoFit/>
-          </a:bodyPr>
-          <a:lstStyle/>
-          <a:p>
-            <a:pPr algn="r"/>
-            <a:r>
-              <a:rPr lang="en-GB" sz="1200" b="1" dirty="0" smtClean="0"/>
-              <a:t>Kick-off Meeting (23</a:t>
-            </a:r>
-            <a:r>
-              <a:rPr lang="en-GB" sz="1200" b="1" baseline="30000" dirty="0" smtClean="0"/>
-              <a:t>rd</a:t>
-            </a:r>
-            <a:r>
-              <a:rPr lang="en-GB" sz="1200" b="1" dirty="0" smtClean="0"/>
-              <a:t> January)</a:t>
-            </a:r>
-            <a:endParaRPr lang="en-GB" sz="1200" b="1" dirty="0"/>
-          </a:p>
-        </p:txBody>
-      </p:sp>
-      <p:sp>
-        <p:nvSpPr>
-          <p:cNvPr id="23" name="CuadroTexto 22"/>
-          <p:cNvSpPr txBox="1"/>
-          <p:nvPr/>
-        </p:nvSpPr>
-        <p:spPr>
-          <a:xfrm>
-            <a:off x="3196751" y="5997339"/>
-            <a:ext cx="2239011" cy="276999"/>
-          </a:xfrm>
-          <a:prstGeom prst="rect">
-            <a:avLst/>
-          </a:prstGeom>
-          <a:noFill/>
-        </p:spPr>
-        <p:txBody>
-          <a:bodyPr wrap="none" rtlCol="0">
-            <a:spAutoFit/>
-          </a:bodyPr>
-          <a:lstStyle/>
-          <a:p>
-            <a:pPr algn="r"/>
-            <a:r>
-              <a:rPr lang="en-GB" sz="1200" b="1" dirty="0" smtClean="0">
-                <a:solidFill>
-                  <a:schemeClr val="tx1">
-                    <a:lumMod val="65000"/>
-                    <a:lumOff val="35000"/>
-                  </a:schemeClr>
-                </a:solidFill>
-              </a:rPr>
-              <a:t>Release version 2.0.0 (25</a:t>
-            </a:r>
-            <a:r>
-              <a:rPr lang="en-GB" sz="1200" b="1" baseline="30000" dirty="0" smtClean="0">
-                <a:solidFill>
-                  <a:schemeClr val="tx1">
-                    <a:lumMod val="65000"/>
-                    <a:lumOff val="35000"/>
-                  </a:schemeClr>
-                </a:solidFill>
-              </a:rPr>
-              <a:t>th</a:t>
-            </a:r>
-            <a:r>
-              <a:rPr lang="en-GB" sz="1200" b="1" dirty="0" smtClean="0">
-                <a:solidFill>
-                  <a:schemeClr val="tx1">
-                    <a:lumMod val="65000"/>
-                    <a:lumOff val="35000"/>
-                  </a:schemeClr>
-                </a:solidFill>
-              </a:rPr>
-              <a:t> June)</a:t>
-            </a:r>
-            <a:endParaRPr lang="en-GB" sz="1200" b="1" dirty="0">
-              <a:solidFill>
-                <a:schemeClr val="tx1">
-                  <a:lumMod val="65000"/>
-                  <a:lumOff val="35000"/>
-                </a:schemeClr>
-              </a:solidFill>
-            </a:endParaRPr>
-          </a:p>
-        </p:txBody>
-      </p:sp>
-      <p:sp>
-        <p:nvSpPr>
-          <p:cNvPr id="29" name="CuadroTexto 28"/>
-          <p:cNvSpPr txBox="1"/>
-          <p:nvPr/>
-        </p:nvSpPr>
-        <p:spPr>
-          <a:xfrm>
-            <a:off x="1037228" y="2778415"/>
-            <a:ext cx="4398533" cy="646331"/>
-          </a:xfrm>
-          <a:prstGeom prst="rect">
-            <a:avLst/>
-          </a:prstGeom>
-          <a:noFill/>
-        </p:spPr>
-        <p:txBody>
-          <a:bodyPr wrap="square" rtlCol="0">
-            <a:spAutoFit/>
-          </a:bodyPr>
-          <a:lstStyle>
-            <a:defPPr>
-              <a:defRPr lang="en-US"/>
-            </a:defPPr>
-            <a:lvl1pPr algn="r">
-              <a:defRPr sz="1200"/>
-            </a:lvl1pPr>
-          </a:lstStyle>
-          <a:p>
-            <a:r>
-              <a:rPr lang="en-GB" dirty="0"/>
-              <a:t>Working Group Meeting (28th March)</a:t>
-            </a:r>
-          </a:p>
-          <a:p>
-            <a:r>
-              <a:rPr lang="en-GB" i="1" dirty="0"/>
-              <a:t>Subject: </a:t>
-            </a:r>
-            <a:r>
-              <a:rPr lang="en-GB" i="1" dirty="0" err="1"/>
-              <a:t>PoC</a:t>
-            </a:r>
-            <a:r>
-              <a:rPr lang="en-GB" i="1" dirty="0"/>
-              <a:t> validation of the approach, the use case and the expected results.</a:t>
-            </a:r>
-          </a:p>
-        </p:txBody>
-      </p:sp>
-      <p:sp>
-        <p:nvSpPr>
-          <p:cNvPr id="31" name="CuadroTexto 30"/>
-          <p:cNvSpPr txBox="1"/>
-          <p:nvPr/>
-        </p:nvSpPr>
-        <p:spPr>
-          <a:xfrm>
-            <a:off x="1037228" y="3857974"/>
-            <a:ext cx="4398534" cy="646331"/>
-          </a:xfrm>
-          <a:prstGeom prst="rect">
-            <a:avLst/>
-          </a:prstGeom>
-          <a:noFill/>
-        </p:spPr>
-        <p:txBody>
-          <a:bodyPr wrap="square" rtlCol="0">
-            <a:spAutoFit/>
-          </a:bodyPr>
-          <a:lstStyle/>
-          <a:p>
-            <a:pPr algn="r"/>
-            <a:r>
-              <a:rPr lang="en-GB" sz="1200" dirty="0" smtClean="0">
-                <a:solidFill>
-                  <a:schemeClr val="tx1">
-                    <a:lumMod val="65000"/>
-                    <a:lumOff val="35000"/>
-                  </a:schemeClr>
-                </a:solidFill>
-              </a:rPr>
-              <a:t>Working Group Meeting (27</a:t>
-            </a:r>
-            <a:r>
-              <a:rPr lang="en-GB" sz="1200" baseline="30000" dirty="0" smtClean="0">
-                <a:solidFill>
-                  <a:schemeClr val="tx1">
-                    <a:lumMod val="65000"/>
-                    <a:lumOff val="35000"/>
-                  </a:schemeClr>
-                </a:solidFill>
-              </a:rPr>
-              <a:t>th</a:t>
-            </a:r>
-            <a:r>
-              <a:rPr lang="en-GB" sz="1200" dirty="0" smtClean="0">
-                <a:solidFill>
-                  <a:schemeClr val="tx1">
-                    <a:lumMod val="65000"/>
-                    <a:lumOff val="35000"/>
-                  </a:schemeClr>
-                </a:solidFill>
-              </a:rPr>
-              <a:t> April)</a:t>
-            </a:r>
-          </a:p>
-          <a:p>
-            <a:pPr algn="r"/>
-            <a:r>
-              <a:rPr lang="en-GB" sz="1200" i="1" dirty="0" smtClean="0">
-                <a:solidFill>
-                  <a:schemeClr val="tx1">
-                    <a:lumMod val="65000"/>
-                    <a:lumOff val="35000"/>
-                  </a:schemeClr>
-                </a:solidFill>
-              </a:rPr>
-              <a:t>Subject: Revision of the ontology, conceptual model and design considerations.</a:t>
-            </a:r>
-            <a:endParaRPr lang="en-GB" sz="1200" i="1" dirty="0">
-              <a:solidFill>
-                <a:schemeClr val="tx1">
-                  <a:lumMod val="65000"/>
-                  <a:lumOff val="35000"/>
-                </a:schemeClr>
-              </a:solidFill>
-            </a:endParaRPr>
-          </a:p>
-        </p:txBody>
-      </p:sp>
-      <p:sp>
-        <p:nvSpPr>
-          <p:cNvPr id="20" name="Rectángulo redondeado 19"/>
-          <p:cNvSpPr/>
-          <p:nvPr/>
-        </p:nvSpPr>
-        <p:spPr>
           <a:xfrm rot="5400000">
-            <a:off x="2815856" y="3409716"/>
-            <a:ext cx="5400000" cy="115330"/>
-          </a:xfrm>
-          <a:prstGeom prst="roundRect">
-            <a:avLst/>
-          </a:prstGeom>
-          <a:solidFill>
-            <a:srgbClr val="9AAE04"/>
-          </a:solidFill>
-          <a:ln>
-            <a:noFill/>
-          </a:ln>
-        </p:spPr>
-        <p:style>
-          <a:lnRef idx="2">
-            <a:schemeClr val="accent1">
-              <a:shade val="50000"/>
-            </a:schemeClr>
-          </a:lnRef>
-          <a:fillRef idx="1">
-            <a:schemeClr val="accent1"/>
-          </a:fillRef>
-          <a:effectRef idx="0">
-            <a:schemeClr val="accent1"/>
-          </a:effectRef>
-          <a:fontRef idx="minor">
-            <a:schemeClr val="lt1"/>
-          </a:fontRef>
-        </p:style>
-        <p:txBody>
-          <a:bodyPr rtlCol="0" anchor="ctr"/>
-          <a:lstStyle/>
-          <a:p>
-            <a:pPr algn="ctr"/>
-            <a:endParaRPr lang="en-GB"/>
-          </a:p>
-        </p:txBody>
-      </p:sp>
-      <p:sp>
-        <p:nvSpPr>
-          <p:cNvPr id="21" name="Elipse 20"/>
-          <p:cNvSpPr/>
-          <p:nvPr/>
-        </p:nvSpPr>
-        <p:spPr>
-          <a:xfrm rot="5400000">
-            <a:off x="5482018" y="728163"/>
-            <a:ext cx="115330" cy="115330"/>
-          </a:xfrm>
-          <a:prstGeom prst="ellipse">
-            <a:avLst/>
-          </a:prstGeom>
-          <a:ln>
-            <a:noFill/>
-          </a:ln>
-        </p:spPr>
-        <p:style>
-          <a:lnRef idx="2">
-            <a:schemeClr val="dk1">
-              <a:shade val="50000"/>
-            </a:schemeClr>
-          </a:lnRef>
-          <a:fillRef idx="1">
-            <a:schemeClr val="dk1"/>
-          </a:fillRef>
-          <a:effectRef idx="0">
-            <a:schemeClr val="dk1"/>
-          </a:effectRef>
-          <a:fontRef idx="minor">
-            <a:schemeClr val="lt1"/>
-          </a:fontRef>
-        </p:style>
-        <p:txBody>
-          <a:bodyPr rtlCol="0" anchor="ctr"/>
-          <a:lstStyle/>
-          <a:p>
-            <a:pPr algn="ctr"/>
-            <a:endParaRPr lang="en-GB"/>
-          </a:p>
-        </p:txBody>
-      </p:sp>
-      <p:sp>
-        <p:nvSpPr>
-          <p:cNvPr id="24" name="Rectángulo redondeado 23"/>
-          <p:cNvSpPr/>
-          <p:nvPr/>
-        </p:nvSpPr>
-        <p:spPr>
-          <a:xfrm rot="5400000">
-            <a:off x="3919346" y="4527428"/>
-            <a:ext cx="3194016" cy="97344"/>
-          </a:xfrm>
-          <a:prstGeom prst="roundRect">
-            <a:avLst/>
-          </a:prstGeom>
-          <a:solidFill>
-            <a:srgbClr val="F8FECA"/>
-          </a:solidFill>
-          <a:ln>
-            <a:noFill/>
-          </a:ln>
-        </p:spPr>
-        <p:style>
-          <a:lnRef idx="2">
-            <a:schemeClr val="accent1">
-              <a:shade val="50000"/>
-            </a:schemeClr>
-          </a:lnRef>
-          <a:fillRef idx="1">
-            <a:schemeClr val="accent1"/>
-          </a:fillRef>
-          <a:effectRef idx="0">
-            <a:schemeClr val="accent1"/>
-          </a:effectRef>
-          <a:fontRef idx="minor">
-            <a:schemeClr val="lt1"/>
-          </a:fontRef>
-        </p:style>
-        <p:txBody>
-          <a:bodyPr rtlCol="0" anchor="ctr"/>
-          <a:lstStyle/>
-          <a:p>
-            <a:pPr algn="ctr"/>
-            <a:endParaRPr lang="en-GB"/>
-          </a:p>
-        </p:txBody>
-      </p:sp>
-      <p:sp>
-        <p:nvSpPr>
-          <p:cNvPr id="25" name="Elipse 24"/>
-          <p:cNvSpPr/>
-          <p:nvPr/>
-        </p:nvSpPr>
-        <p:spPr>
-          <a:xfrm rot="5400000">
-            <a:off x="5482018" y="1798137"/>
-            <a:ext cx="115330" cy="115330"/>
-          </a:xfrm>
-          <a:prstGeom prst="ellipse">
-            <a:avLst/>
-          </a:prstGeom>
-          <a:ln>
-            <a:noFill/>
-          </a:ln>
-        </p:spPr>
-        <p:style>
-          <a:lnRef idx="2">
-            <a:schemeClr val="dk1">
-              <a:shade val="50000"/>
-            </a:schemeClr>
-          </a:lnRef>
-          <a:fillRef idx="1">
-            <a:schemeClr val="dk1"/>
-          </a:fillRef>
-          <a:effectRef idx="0">
-            <a:schemeClr val="dk1"/>
-          </a:effectRef>
-          <a:fontRef idx="minor">
-            <a:schemeClr val="lt1"/>
-          </a:fontRef>
-        </p:style>
-        <p:txBody>
-          <a:bodyPr rtlCol="0" anchor="ctr"/>
-          <a:lstStyle/>
-          <a:p>
-            <a:pPr algn="ctr"/>
-            <a:endParaRPr lang="en-GB"/>
-          </a:p>
-        </p:txBody>
-      </p:sp>
-      <p:sp>
-        <p:nvSpPr>
-          <p:cNvPr id="27" name="Elipse 26"/>
-          <p:cNvSpPr/>
-          <p:nvPr/>
-        </p:nvSpPr>
-        <p:spPr>
-          <a:xfrm rot="5400000">
-            <a:off x="5482819" y="6094514"/>
-            <a:ext cx="115330" cy="115330"/>
-          </a:xfrm>
-          <a:prstGeom prst="ellipse">
-            <a:avLst/>
-          </a:prstGeom>
-          <a:solidFill>
-            <a:schemeClr val="tx1">
-              <a:lumMod val="65000"/>
-              <a:lumOff val="35000"/>
-            </a:schemeClr>
-          </a:solidFill>
-          <a:ln>
-            <a:noFill/>
-          </a:ln>
-        </p:spPr>
-        <p:style>
-          <a:lnRef idx="2">
-            <a:schemeClr val="dk1">
-              <a:shade val="50000"/>
-            </a:schemeClr>
-          </a:lnRef>
-          <a:fillRef idx="1">
-            <a:schemeClr val="dk1"/>
-          </a:fillRef>
-          <a:effectRef idx="0">
-            <a:schemeClr val="dk1"/>
-          </a:effectRef>
-          <a:fontRef idx="minor">
-            <a:schemeClr val="lt1"/>
-          </a:fontRef>
-        </p:style>
-        <p:txBody>
-          <a:bodyPr rtlCol="0" anchor="ctr"/>
-          <a:lstStyle/>
-          <a:p>
-            <a:pPr algn="ctr"/>
-            <a:endParaRPr lang="en-GB"/>
-          </a:p>
-        </p:txBody>
-      </p:sp>
-      <p:sp>
-        <p:nvSpPr>
-          <p:cNvPr id="28" name="Elipse 27"/>
-          <p:cNvSpPr/>
-          <p:nvPr/>
-        </p:nvSpPr>
-        <p:spPr>
-          <a:xfrm rot="5400000">
-            <a:off x="5482017" y="2863762"/>
-            <a:ext cx="115330" cy="115330"/>
-          </a:xfrm>
-          <a:prstGeom prst="ellipse">
-            <a:avLst/>
-          </a:prstGeom>
-          <a:solidFill>
-            <a:schemeClr val="tx1">
-              <a:lumMod val="65000"/>
-              <a:lumOff val="35000"/>
-            </a:schemeClr>
-          </a:solidFill>
-          <a:ln>
-            <a:noFill/>
-          </a:ln>
-        </p:spPr>
-        <p:style>
-          <a:lnRef idx="2">
-            <a:schemeClr val="dk1">
-              <a:shade val="50000"/>
-            </a:schemeClr>
-          </a:lnRef>
-          <a:fillRef idx="1">
-            <a:schemeClr val="dk1"/>
-          </a:fillRef>
-          <a:effectRef idx="0">
-            <a:schemeClr val="dk1"/>
-          </a:effectRef>
-          <a:fontRef idx="minor">
-            <a:schemeClr val="lt1"/>
-          </a:fontRef>
-        </p:style>
-        <p:txBody>
-          <a:bodyPr rtlCol="0" anchor="ctr"/>
-          <a:lstStyle/>
-          <a:p>
-            <a:pPr algn="ctr"/>
-            <a:endParaRPr lang="en-GB"/>
-          </a:p>
-        </p:txBody>
-      </p:sp>
-      <p:sp>
-        <p:nvSpPr>
-          <p:cNvPr id="30" name="Elipse 29"/>
-          <p:cNvSpPr/>
-          <p:nvPr/>
-        </p:nvSpPr>
-        <p:spPr>
-          <a:xfrm rot="5400000">
-            <a:off x="5482017" y="3927959"/>
-            <a:ext cx="115330" cy="115330"/>
-          </a:xfrm>
-          <a:prstGeom prst="ellipse">
-            <a:avLst/>
-          </a:prstGeom>
-          <a:solidFill>
-            <a:schemeClr val="tx1">
-              <a:lumMod val="65000"/>
-              <a:lumOff val="35000"/>
-            </a:schemeClr>
-          </a:solidFill>
-          <a:ln>
-            <a:noFill/>
-          </a:ln>
-        </p:spPr>
-        <p:style>
-          <a:lnRef idx="2">
-            <a:schemeClr val="dk1">
-              <a:shade val="50000"/>
-            </a:schemeClr>
-          </a:lnRef>
-          <a:fillRef idx="1">
-            <a:schemeClr val="dk1"/>
-          </a:fillRef>
-          <a:effectRef idx="0">
-            <a:schemeClr val="dk1"/>
-          </a:effectRef>
-          <a:fontRef idx="minor">
-            <a:schemeClr val="lt1"/>
-          </a:fontRef>
-        </p:style>
-        <p:txBody>
-          <a:bodyPr rtlCol="0" anchor="ctr"/>
-          <a:lstStyle/>
-          <a:p>
-            <a:pPr algn="ctr"/>
-            <a:endParaRPr lang="en-GB"/>
-          </a:p>
-        </p:txBody>
-      </p:sp>
-      <p:sp>
-        <p:nvSpPr>
-          <p:cNvPr id="32" name="Elipse 31"/>
-          <p:cNvSpPr/>
-          <p:nvPr/>
-        </p:nvSpPr>
-        <p:spPr>
-          <a:xfrm rot="5400000">
-            <a:off x="5482819" y="5036649"/>
+            <a:off x="5480652" y="5036649"/>
             <a:ext cx="115330" cy="115330"/>
           </a:xfrm>
           <a:prstGeom prst="ellipse">
@@ -5136,7 +3840,7 @@
         </p:blipFill>
         <p:spPr bwMode="auto">
           <a:xfrm rot="16200000" flipH="1" flipV="1">
-            <a:off x="5573521" y="2782845"/>
+            <a:off x="5589033" y="2804455"/>
             <a:ext cx="273358" cy="273358"/>
           </a:xfrm>
           <a:prstGeom prst="rect">
@@ -5156,14 +3860,14 @@
       </p:pic>
       <p:sp>
         <p:nvSpPr>
-          <p:cNvPr id="37" name="CuadroTexto 34"/>
+          <p:cNvPr id="35" name="CuadroTexto 34"/>
           <p:cNvSpPr txBox="1"/>
           <p:nvPr/>
         </p:nvSpPr>
         <p:spPr>
           <a:xfrm>
-            <a:off x="5701704" y="3179239"/>
-            <a:ext cx="5632042" cy="646331"/>
+            <a:off x="5643602" y="2055852"/>
+            <a:ext cx="4398531" cy="600164"/>
           </a:xfrm>
           <a:prstGeom prst="rect">
             <a:avLst/>
@@ -5177,160 +3881,60 @@
           <a:lstStyle/>
           <a:p>
             <a:r>
-              <a:rPr lang="en-GB" sz="1200" dirty="0" smtClean="0"/>
-              <a:t>19</a:t>
-            </a:r>
-            <a:r>
-              <a:rPr lang="en-GB" sz="1200" baseline="30000" dirty="0" smtClean="0"/>
+              <a:rPr lang="en-GB" sz="1100" dirty="0" smtClean="0"/>
+              <a:t>9</a:t>
+            </a:r>
+            <a:r>
+              <a:rPr lang="en-GB" sz="1100" baseline="30000" dirty="0" smtClean="0"/>
               <a:t>th</a:t>
             </a:r>
             <a:r>
-              <a:rPr lang="en-GB" sz="1200" dirty="0" smtClean="0"/>
-              <a:t> April</a:t>
-            </a:r>
-            <a:br>
-              <a:rPr lang="en-GB" sz="1200" dirty="0" smtClean="0"/>
-            </a:br>
-            <a:r>
-              <a:rPr lang="en-GB" sz="1200" dirty="0" smtClean="0"/>
-              <a:t>	</a:t>
-            </a:r>
-            <a:r>
-              <a:rPr lang="en-GB" sz="1200" i="1" dirty="0" smtClean="0"/>
-              <a:t>1</a:t>
-            </a:r>
-            <a:r>
-              <a:rPr lang="en-GB" sz="1200" i="1" dirty="0"/>
-              <a:t>. </a:t>
-            </a:r>
-            <a:r>
-              <a:rPr lang="en-GB" sz="1200" i="1" dirty="0" smtClean="0"/>
-              <a:t>Second draft </a:t>
-            </a:r>
-            <a:r>
-              <a:rPr lang="en-GB" sz="1200" i="1" dirty="0"/>
-              <a:t>Conceptual Data Model available for revision by WG</a:t>
-            </a:r>
-            <a:r>
-              <a:rPr lang="en-GB" sz="1200" dirty="0" smtClean="0"/>
-              <a:t>.</a:t>
-            </a:r>
-          </a:p>
-          <a:p>
-            <a:r>
-              <a:rPr lang="es-ES" sz="1200" dirty="0"/>
-              <a:t>	</a:t>
-            </a:r>
-            <a:r>
-              <a:rPr lang="es-ES" sz="1200" i="1" dirty="0" smtClean="0"/>
+              <a:rPr lang="en-GB" sz="1100" dirty="0" smtClean="0"/>
+              <a:t> March:</a:t>
+            </a:r>
+          </a:p>
+          <a:p>
+            <a:pPr lvl="1"/>
+            <a:r>
+              <a:rPr lang="en-GB" sz="1100" dirty="0" smtClean="0"/>
+              <a:t>1. </a:t>
+            </a:r>
+            <a:r>
+              <a:rPr lang="en-GB" sz="1100" i="1" dirty="0" smtClean="0"/>
+              <a:t>Glossary </a:t>
+            </a:r>
+            <a:r>
+              <a:rPr lang="en-GB" sz="1100" i="1" dirty="0"/>
+              <a:t>a</a:t>
+            </a:r>
+            <a:r>
+              <a:rPr lang="en-GB" sz="1100" i="1" dirty="0" smtClean="0"/>
+              <a:t>cceptance by the Working Group.</a:t>
+            </a:r>
+          </a:p>
+          <a:p>
+            <a:pPr lvl="1"/>
+            <a:r>
+              <a:rPr lang="en-GB" sz="1100" dirty="0" smtClean="0"/>
               <a:t>2. </a:t>
             </a:r>
             <a:r>
-              <a:rPr lang="es-ES" sz="1200" i="1" dirty="0" err="1" smtClean="0"/>
-              <a:t>First</a:t>
-            </a:r>
-            <a:r>
-              <a:rPr lang="es-ES" sz="1200" i="1" dirty="0" smtClean="0"/>
-              <a:t> versión of </a:t>
-            </a:r>
-            <a:r>
-              <a:rPr lang="es-ES" sz="1200" i="1" dirty="0" err="1" smtClean="0"/>
-              <a:t>PoC</a:t>
-            </a:r>
-            <a:r>
-              <a:rPr lang="es-ES" sz="1200" i="1" dirty="0" smtClean="0"/>
-              <a:t>  </a:t>
-            </a:r>
-            <a:r>
-              <a:rPr lang="es-ES" sz="1200" i="1" dirty="0" err="1" smtClean="0"/>
-              <a:t>available</a:t>
-            </a:r>
-            <a:r>
-              <a:rPr lang="es-ES" sz="1200" i="1" dirty="0" smtClean="0"/>
-              <a:t> </a:t>
-            </a:r>
-            <a:r>
-              <a:rPr lang="es-ES" sz="1200" i="1" dirty="0" err="1" smtClean="0"/>
-              <a:t>for</a:t>
-            </a:r>
-            <a:r>
-              <a:rPr lang="es-ES" sz="1200" i="1" dirty="0" smtClean="0"/>
-              <a:t> revisión </a:t>
-            </a:r>
-            <a:r>
-              <a:rPr lang="es-ES" sz="1200" i="1" dirty="0" err="1" smtClean="0"/>
-              <a:t>by</a:t>
-            </a:r>
-            <a:r>
-              <a:rPr lang="es-ES" sz="1200" i="1" dirty="0" smtClean="0"/>
-              <a:t> WG.</a:t>
-            </a:r>
-            <a:endParaRPr lang="en-GB" sz="1200" i="1" dirty="0"/>
-          </a:p>
-        </p:txBody>
-      </p:sp>
-      <p:sp>
-        <p:nvSpPr>
-          <p:cNvPr id="38" name="CuadroTexto 34"/>
-          <p:cNvSpPr txBox="1"/>
-          <p:nvPr/>
-        </p:nvSpPr>
-        <p:spPr>
-          <a:xfrm>
-            <a:off x="5701704" y="3758763"/>
-            <a:ext cx="4398531" cy="461665"/>
-          </a:xfrm>
-          <a:prstGeom prst="rect">
-            <a:avLst/>
-          </a:prstGeom>
-          <a:noFill/>
-        </p:spPr>
-        <p:txBody>
-          <a:bodyPr wrap="square" rtlCol="0">
-            <a:spAutoFit/>
-          </a:bodyPr>
-          <a:lstStyle/>
-          <a:p>
-            <a:r>
-              <a:rPr lang="en-GB" sz="1200" dirty="0" smtClean="0"/>
-              <a:t>26</a:t>
-            </a:r>
-            <a:r>
-              <a:rPr lang="en-GB" sz="1200" baseline="30000" dirty="0" smtClean="0"/>
-              <a:t>th</a:t>
-            </a:r>
-            <a:r>
-              <a:rPr lang="en-GB" sz="1200" dirty="0" smtClean="0"/>
-              <a:t> April</a:t>
-            </a:r>
-            <a:br>
-              <a:rPr lang="en-GB" sz="1200" dirty="0" smtClean="0"/>
-            </a:br>
-            <a:r>
-              <a:rPr lang="en-GB" sz="1200" dirty="0" smtClean="0"/>
-              <a:t>	</a:t>
-            </a:r>
-            <a:r>
-              <a:rPr lang="en-GB" sz="1200" i="1" dirty="0" err="1" smtClean="0"/>
-              <a:t>PoC</a:t>
-            </a:r>
-            <a:r>
-              <a:rPr lang="en-GB" sz="1200" i="1" dirty="0" smtClean="0"/>
-              <a:t> final report available for comments by WG. </a:t>
-            </a:r>
-            <a:endParaRPr lang="en-GB" sz="1200" i="1" dirty="0"/>
-          </a:p>
-        </p:txBody>
-      </p:sp>
-      <p:sp>
-        <p:nvSpPr>
-          <p:cNvPr id="42" name="Elipse 35"/>
+              <a:rPr lang="en-GB" sz="1100" i="1" dirty="0"/>
+              <a:t>Sample Competency Questions available for the WG.</a:t>
+            </a:r>
+            <a:endParaRPr lang="en-GB" sz="1100" dirty="0"/>
+          </a:p>
+        </p:txBody>
+      </p:sp>
+      <p:sp>
+        <p:nvSpPr>
+          <p:cNvPr id="36" name="Elipse 35"/>
           <p:cNvSpPr/>
           <p:nvPr/>
         </p:nvSpPr>
         <p:spPr>
           <a:xfrm rot="5400000">
-            <a:off x="5498096" y="3309152"/>
+            <a:off x="5502317" y="2326580"/>
             <a:ext cx="72000" cy="72000"/>
           </a:xfrm>
           <a:prstGeom prst="ellipse">
@@ -5373,13 +3977,13 @@
       </p:sp>
       <p:sp>
         <p:nvSpPr>
-          <p:cNvPr id="43" name="Elipse 35"/>
+          <p:cNvPr id="19" name="Elipse 18"/>
           <p:cNvSpPr/>
           <p:nvPr/>
         </p:nvSpPr>
         <p:spPr>
           <a:xfrm rot="5400000">
-            <a:off x="5498096" y="3862610"/>
+            <a:off x="5502317" y="2325364"/>
             <a:ext cx="72000" cy="72000"/>
           </a:xfrm>
           <a:prstGeom prst="ellipse">
@@ -5420,111 +4024,392 @@
           </a:p>
         </p:txBody>
       </p:sp>
+      <p:sp>
+        <p:nvSpPr>
+          <p:cNvPr id="37" name="Elipse 36"/>
+          <p:cNvSpPr/>
+          <p:nvPr/>
+        </p:nvSpPr>
+        <p:spPr>
+          <a:xfrm rot="5400000">
+            <a:off x="5502317" y="2698055"/>
+            <a:ext cx="72000" cy="72000"/>
+          </a:xfrm>
+          <a:prstGeom prst="ellipse">
+            <a:avLst/>
+          </a:prstGeom>
+          <a:solidFill>
+            <a:schemeClr val="accent1">
+              <a:lumMod val="60000"/>
+              <a:lumOff val="40000"/>
+            </a:schemeClr>
+          </a:solidFill>
+          <a:ln>
+            <a:noFill/>
+          </a:ln>
+        </p:spPr>
+        <p:style>
+          <a:lnRef idx="2">
+            <a:schemeClr val="dk1">
+              <a:shade val="50000"/>
+            </a:schemeClr>
+          </a:lnRef>
+          <a:fillRef idx="1">
+            <a:schemeClr val="dk1"/>
+          </a:fillRef>
+          <a:effectRef idx="0">
+            <a:schemeClr val="dk1"/>
+          </a:effectRef>
+          <a:fontRef idx="minor">
+            <a:schemeClr val="lt1"/>
+          </a:fontRef>
+        </p:style>
+        <p:txBody>
+          <a:bodyPr rtlCol="0" anchor="ctr"/>
+          <a:lstStyle/>
+          <a:p>
+            <a:pPr algn="ctr"/>
+            <a:endParaRPr lang="en-GB"/>
+          </a:p>
+        </p:txBody>
+      </p:sp>
+      <p:sp>
+        <p:nvSpPr>
+          <p:cNvPr id="38" name="CuadroTexto 37"/>
+          <p:cNvSpPr txBox="1"/>
+          <p:nvPr/>
+        </p:nvSpPr>
+        <p:spPr>
+          <a:xfrm>
+            <a:off x="5657936" y="2604570"/>
+            <a:ext cx="4398531" cy="430887"/>
+          </a:xfrm>
+          <a:prstGeom prst="rect">
+            <a:avLst/>
+          </a:prstGeom>
+          <a:noFill/>
+        </p:spPr>
+        <p:txBody>
+          <a:bodyPr wrap="square" rtlCol="0">
+            <a:spAutoFit/>
+          </a:bodyPr>
+          <a:lstStyle/>
+          <a:p>
+            <a:r>
+              <a:rPr lang="en-GB" sz="1100" dirty="0" smtClean="0"/>
+              <a:t>23-26 March:</a:t>
+            </a:r>
+          </a:p>
+          <a:p>
+            <a:pPr lvl="1"/>
+            <a:r>
+              <a:rPr lang="en-GB" sz="1100" i="1" dirty="0" smtClean="0"/>
+              <a:t>Conceptual data model available</a:t>
+            </a:r>
+            <a:r>
+              <a:rPr lang="en-GB" sz="1100" i="1" dirty="0"/>
+              <a:t> </a:t>
+            </a:r>
+            <a:r>
+              <a:rPr lang="en-GB" sz="1100" i="1" dirty="0" smtClean="0"/>
+              <a:t>for revision by WG.</a:t>
+            </a:r>
+          </a:p>
+        </p:txBody>
+      </p:sp>
+      <p:sp>
+        <p:nvSpPr>
+          <p:cNvPr id="40" name="Elipse 39"/>
+          <p:cNvSpPr/>
+          <p:nvPr/>
+        </p:nvSpPr>
+        <p:spPr>
+          <a:xfrm rot="5400000">
+            <a:off x="5502317" y="3726755"/>
+            <a:ext cx="72000" cy="72000"/>
+          </a:xfrm>
+          <a:prstGeom prst="ellipse">
+            <a:avLst/>
+          </a:prstGeom>
+          <a:solidFill>
+            <a:schemeClr val="accent1">
+              <a:lumMod val="60000"/>
+              <a:lumOff val="40000"/>
+            </a:schemeClr>
+          </a:solidFill>
+          <a:ln>
+            <a:noFill/>
+          </a:ln>
+        </p:spPr>
+        <p:style>
+          <a:lnRef idx="2">
+            <a:schemeClr val="dk1">
+              <a:shade val="50000"/>
+            </a:schemeClr>
+          </a:lnRef>
+          <a:fillRef idx="1">
+            <a:schemeClr val="dk1"/>
+          </a:fillRef>
+          <a:effectRef idx="0">
+            <a:schemeClr val="dk1"/>
+          </a:effectRef>
+          <a:fontRef idx="minor">
+            <a:schemeClr val="lt1"/>
+          </a:fontRef>
+        </p:style>
+        <p:txBody>
+          <a:bodyPr rtlCol="0" anchor="ctr"/>
+          <a:lstStyle/>
+          <a:p>
+            <a:pPr algn="ctr"/>
+            <a:endParaRPr lang="en-GB"/>
+          </a:p>
+        </p:txBody>
+      </p:sp>
+      <p:sp>
+        <p:nvSpPr>
+          <p:cNvPr id="41" name="CuadroTexto 40"/>
+          <p:cNvSpPr txBox="1"/>
+          <p:nvPr/>
+        </p:nvSpPr>
+        <p:spPr>
+          <a:xfrm>
+            <a:off x="5657936" y="3626531"/>
+            <a:ext cx="3876589" cy="430887"/>
+          </a:xfrm>
+          <a:prstGeom prst="rect">
+            <a:avLst/>
+          </a:prstGeom>
+          <a:noFill/>
+        </p:spPr>
+        <p:txBody>
+          <a:bodyPr wrap="square" rtlCol="0">
+            <a:spAutoFit/>
+          </a:bodyPr>
+          <a:lstStyle/>
+          <a:p>
+            <a:r>
+              <a:rPr lang="en-GB" sz="1100" dirty="0" smtClean="0"/>
+              <a:t>19</a:t>
+            </a:r>
+            <a:r>
+              <a:rPr lang="en-GB" sz="1100" baseline="30000" dirty="0" smtClean="0"/>
+              <a:t>th</a:t>
+            </a:r>
+            <a:r>
+              <a:rPr lang="en-GB" sz="1100" dirty="0" smtClean="0"/>
+              <a:t> April: </a:t>
+            </a:r>
+            <a:r>
+              <a:rPr lang="en-GB" sz="1100" i="1" dirty="0" err="1" smtClean="0"/>
+              <a:t>PoC</a:t>
+            </a:r>
+            <a:r>
+              <a:rPr lang="en-GB" sz="1100" i="1" dirty="0" smtClean="0"/>
+              <a:t> and new version of the conceptual data model available</a:t>
+            </a:r>
+            <a:r>
+              <a:rPr lang="en-GB" sz="1100" i="1" dirty="0"/>
+              <a:t> </a:t>
+            </a:r>
+            <a:r>
+              <a:rPr lang="en-GB" sz="1100" i="1" dirty="0" smtClean="0"/>
+              <a:t>for revision by WG.</a:t>
+            </a:r>
+            <a:endParaRPr lang="en-GB" sz="1100" i="1" dirty="0"/>
+          </a:p>
+        </p:txBody>
+      </p:sp>
+      <p:sp>
+        <p:nvSpPr>
+          <p:cNvPr id="42" name="Elipse 41"/>
+          <p:cNvSpPr/>
+          <p:nvPr/>
+        </p:nvSpPr>
+        <p:spPr>
+          <a:xfrm rot="5400000">
+            <a:off x="5502317" y="4864355"/>
+            <a:ext cx="72000" cy="72000"/>
+          </a:xfrm>
+          <a:prstGeom prst="ellipse">
+            <a:avLst/>
+          </a:prstGeom>
+          <a:solidFill>
+            <a:schemeClr val="accent1">
+              <a:lumMod val="60000"/>
+              <a:lumOff val="40000"/>
+            </a:schemeClr>
+          </a:solidFill>
+          <a:ln>
+            <a:noFill/>
+          </a:ln>
+        </p:spPr>
+        <p:style>
+          <a:lnRef idx="2">
+            <a:schemeClr val="dk1">
+              <a:shade val="50000"/>
+            </a:schemeClr>
+          </a:lnRef>
+          <a:fillRef idx="1">
+            <a:schemeClr val="dk1"/>
+          </a:fillRef>
+          <a:effectRef idx="0">
+            <a:schemeClr val="dk1"/>
+          </a:effectRef>
+          <a:fontRef idx="minor">
+            <a:schemeClr val="lt1"/>
+          </a:fontRef>
+        </p:style>
+        <p:txBody>
+          <a:bodyPr rtlCol="0" anchor="ctr"/>
+          <a:lstStyle/>
+          <a:p>
+            <a:pPr algn="ctr"/>
+            <a:endParaRPr lang="en-GB"/>
+          </a:p>
+        </p:txBody>
+      </p:sp>
+      <p:sp>
+        <p:nvSpPr>
+          <p:cNvPr id="43" name="CuadroTexto 42"/>
+          <p:cNvSpPr txBox="1"/>
+          <p:nvPr/>
+        </p:nvSpPr>
+        <p:spPr>
+          <a:xfrm>
+            <a:off x="5660208" y="4764131"/>
+            <a:ext cx="3874317" cy="261610"/>
+          </a:xfrm>
+          <a:prstGeom prst="rect">
+            <a:avLst/>
+          </a:prstGeom>
+          <a:noFill/>
+        </p:spPr>
+        <p:txBody>
+          <a:bodyPr wrap="square" rtlCol="0">
+            <a:spAutoFit/>
+          </a:bodyPr>
+          <a:lstStyle/>
+          <a:p>
+            <a:r>
+              <a:rPr lang="en-GB" sz="1100" dirty="0" smtClean="0"/>
+              <a:t>26</a:t>
+            </a:r>
+            <a:r>
+              <a:rPr lang="en-GB" sz="1100" baseline="30000" dirty="0" smtClean="0"/>
+              <a:t>th</a:t>
+            </a:r>
+            <a:r>
+              <a:rPr lang="en-GB" sz="1100" dirty="0" smtClean="0"/>
+              <a:t> May: </a:t>
+            </a:r>
+            <a:r>
+              <a:rPr lang="en-GB" sz="1100" dirty="0" err="1" smtClean="0"/>
+              <a:t>PoC</a:t>
+            </a:r>
+            <a:r>
+              <a:rPr lang="en-GB" sz="1100" dirty="0" smtClean="0"/>
+              <a:t> Report available for revision by WG</a:t>
+            </a:r>
+            <a:r>
+              <a:rPr lang="en-GB" sz="1100" i="1" dirty="0" smtClean="0"/>
+              <a:t>.</a:t>
+            </a:r>
+            <a:endParaRPr lang="en-GB" sz="1100" i="1" dirty="0"/>
+          </a:p>
+        </p:txBody>
+      </p:sp>
+      <p:sp>
+        <p:nvSpPr>
+          <p:cNvPr id="39" name="Elipse 38"/>
+          <p:cNvSpPr/>
+          <p:nvPr/>
+        </p:nvSpPr>
+        <p:spPr>
+          <a:xfrm rot="5400000">
+            <a:off x="5502317" y="5892515"/>
+            <a:ext cx="72000" cy="72000"/>
+          </a:xfrm>
+          <a:prstGeom prst="ellipse">
+            <a:avLst/>
+          </a:prstGeom>
+          <a:solidFill>
+            <a:schemeClr val="accent1">
+              <a:lumMod val="60000"/>
+              <a:lumOff val="40000"/>
+            </a:schemeClr>
+          </a:solidFill>
+          <a:ln>
+            <a:noFill/>
+          </a:ln>
+        </p:spPr>
+        <p:style>
+          <a:lnRef idx="2">
+            <a:schemeClr val="dk1">
+              <a:shade val="50000"/>
+            </a:schemeClr>
+          </a:lnRef>
+          <a:fillRef idx="1">
+            <a:schemeClr val="dk1"/>
+          </a:fillRef>
+          <a:effectRef idx="0">
+            <a:schemeClr val="dk1"/>
+          </a:effectRef>
+          <a:fontRef idx="minor">
+            <a:schemeClr val="lt1"/>
+          </a:fontRef>
+        </p:style>
+        <p:txBody>
+          <a:bodyPr rtlCol="0" anchor="ctr"/>
+          <a:lstStyle/>
+          <a:p>
+            <a:pPr algn="ctr"/>
+            <a:endParaRPr lang="en-GB"/>
+          </a:p>
+        </p:txBody>
+      </p:sp>
+      <p:sp>
+        <p:nvSpPr>
+          <p:cNvPr id="44" name="CuadroTexto 43"/>
+          <p:cNvSpPr txBox="1"/>
+          <p:nvPr/>
+        </p:nvSpPr>
+        <p:spPr>
+          <a:xfrm>
+            <a:off x="5658060" y="5792291"/>
+            <a:ext cx="3874317" cy="261610"/>
+          </a:xfrm>
+          <a:prstGeom prst="rect">
+            <a:avLst/>
+          </a:prstGeom>
+          <a:noFill/>
+        </p:spPr>
+        <p:txBody>
+          <a:bodyPr wrap="square" rtlCol="0">
+            <a:spAutoFit/>
+          </a:bodyPr>
+          <a:lstStyle/>
+          <a:p>
+            <a:r>
+              <a:rPr lang="en-GB" sz="1100" dirty="0" smtClean="0"/>
+              <a:t>18</a:t>
+            </a:r>
+            <a:r>
+              <a:rPr lang="en-GB" sz="1100" baseline="30000" dirty="0" smtClean="0"/>
+              <a:t>th</a:t>
+            </a:r>
+            <a:r>
+              <a:rPr lang="en-GB" sz="1100" dirty="0" smtClean="0"/>
+              <a:t> June: Complete release v2.0.0 available for revision by WG.</a:t>
+            </a:r>
+            <a:endParaRPr lang="en-GB" sz="1100" i="1" dirty="0"/>
+          </a:p>
+        </p:txBody>
+      </p:sp>
     </p:spTree>
     <p:extLst>
       <p:ext uri="{BB962C8B-B14F-4D97-AF65-F5344CB8AC3E}">
-        <p14:creationId xmlns:p14="http://schemas.microsoft.com/office/powerpoint/2010/main" val="694789163"/>
-      </p:ext>
-    </p:extLst>
-  </p:cSld>
-  <p:clrMapOvr>
-    <a:masterClrMapping/>
-  </p:clrMapOvr>
-  <p:timing>
-    <p:tnLst>
-      <p:par>
-        <p:cTn id="1" dur="indefinite" restart="never" nodeType="tmRoot"/>
-      </p:par>
-    </p:tnLst>
-  </p:timing>
-</p:sld>
-</file>
-
-<file path=ppt/slides/slide3.xml><?xml version="1.0" encoding="utf-8"?>
-<p:sld xmlns:a="http://schemas.openxmlformats.org/drawingml/2006/main" xmlns:r="http://schemas.openxmlformats.org/officeDocument/2006/relationships" xmlns:p="http://schemas.openxmlformats.org/presentationml/2006/main">
-  <p:cSld>
-    <p:spTree>
-      <p:nvGrpSpPr>
-        <p:cNvPr id="1" name=""/>
-        <p:cNvGrpSpPr/>
-        <p:nvPr/>
-      </p:nvGrpSpPr>
-      <p:grpSpPr>
-        <a:xfrm>
-          <a:off x="0" y="0"/>
-          <a:ext cx="0" cy="0"/>
-          <a:chOff x="0" y="0"/>
-          <a:chExt cx="0" cy="0"/>
-        </a:xfrm>
-      </p:grpSpPr>
-      <p:pic>
-        <p:nvPicPr>
-          <p:cNvPr id="3" name="Imagen 2"/>
-          <p:cNvPicPr>
-            <a:picLocks noChangeAspect="1"/>
-          </p:cNvPicPr>
-          <p:nvPr/>
-        </p:nvPicPr>
-        <p:blipFill>
-          <a:blip r:embed="rId2">
-            <a:grayscl/>
-            <a:extLst>
-              <a:ext uri="{BEBA8EAE-BF5A-486C-A8C5-ECC9F3942E4B}">
-                <a14:imgProps xmlns:a14="http://schemas.microsoft.com/office/drawing/2010/main">
-                  <a14:imgLayer r:embed="rId3">
-                    <a14:imgEffect>
-                      <a14:sharpenSoften amount="-11000"/>
-                    </a14:imgEffect>
-                    <a14:imgEffect>
-                      <a14:brightnessContrast bright="-2000"/>
-                    </a14:imgEffect>
-                  </a14:imgLayer>
-                </a14:imgProps>
-              </a:ext>
-            </a:extLst>
-          </a:blip>
-          <a:stretch>
-            <a:fillRect/>
-          </a:stretch>
-        </p:blipFill>
-        <p:spPr>
-          <a:xfrm rot="1140000">
-            <a:off x="-2152650" y="-223838"/>
-            <a:ext cx="16497300" cy="7305675"/>
-          </a:xfrm>
-          <a:prstGeom prst="rect">
-            <a:avLst/>
-          </a:prstGeom>
-        </p:spPr>
-      </p:pic>
-      <p:pic>
-        <p:nvPicPr>
-          <p:cNvPr id="2" name="Imagen 1"/>
-          <p:cNvPicPr>
-            <a:picLocks noChangeAspect="1"/>
-          </p:cNvPicPr>
-          <p:nvPr/>
-        </p:nvPicPr>
-        <p:blipFill>
-          <a:blip r:embed="rId4"/>
-          <a:stretch>
-            <a:fillRect/>
-          </a:stretch>
-        </p:blipFill>
-        <p:spPr>
-          <a:xfrm>
-            <a:off x="2445565" y="3068369"/>
-            <a:ext cx="6931753" cy="2298391"/>
-          </a:xfrm>
-          <a:prstGeom prst="rect">
-            <a:avLst/>
-          </a:prstGeom>
-        </p:spPr>
-      </p:pic>
-    </p:spTree>
-    <p:extLst>
-      <p:ext uri="{BB962C8B-B14F-4D97-AF65-F5344CB8AC3E}">
-        <p14:creationId xmlns:p14="http://schemas.microsoft.com/office/powerpoint/2010/main" val="4071731697"/>
+        <p14:creationId xmlns:p14="http://schemas.microsoft.com/office/powerpoint/2010/main" val="1692582169"/>
       </p:ext>
     </p:extLst>
   </p:cSld>
